--- a/Analytics_server_setup_v1.pptx
+++ b/Analytics_server_setup_v1.pptx
@@ -6,17 +6,20 @@
     <p:sldMasterId id="2147483660" r:id="rId2"/>
   </p:sldMasterIdLst>
   <p:notesMasterIdLst>
-    <p:notesMasterId r:id="rId11"/>
+    <p:notesMasterId r:id="rId14"/>
   </p:notesMasterIdLst>
   <p:sldIdLst>
     <p:sldId id="256" r:id="rId3"/>
     <p:sldId id="257" r:id="rId4"/>
     <p:sldId id="270" r:id="rId5"/>
     <p:sldId id="265" r:id="rId6"/>
-    <p:sldId id="266" r:id="rId7"/>
-    <p:sldId id="267" r:id="rId8"/>
-    <p:sldId id="262" r:id="rId9"/>
-    <p:sldId id="269" r:id="rId10"/>
+    <p:sldId id="273" r:id="rId7"/>
+    <p:sldId id="272" r:id="rId8"/>
+    <p:sldId id="271" r:id="rId9"/>
+    <p:sldId id="266" r:id="rId10"/>
+    <p:sldId id="267" r:id="rId11"/>
+    <p:sldId id="262" r:id="rId12"/>
+    <p:sldId id="269" r:id="rId13"/>
   </p:sldIdLst>
   <p:sldSz cx="12192000" cy="6858000"/>
   <p:notesSz cx="6858000" cy="9144000"/>
@@ -205,7 +208,7 @@
           <a:p>
             <a:fld id="{78D8ED23-43D8-D94F-A5DC-C0F7F3E11FBC}" type="datetimeFigureOut">
               <a:rPr lang="en-US" smtClean="0"/>
-              <a:t>1/10/18</a:t>
+              <a:t>1/15/18</a:t>
             </a:fld>
             <a:endParaRPr lang="en-US"/>
           </a:p>
@@ -604,7 +607,7 @@
           <a:p>
             <a:fld id="{9B2CA86B-D2A5-1543-8396-0D0B2BBDC05D}" type="datetimeFigureOut">
               <a:rPr lang="en-US" smtClean="0"/>
-              <a:t>1/10/18</a:t>
+              <a:t>1/15/18</a:t>
             </a:fld>
             <a:endParaRPr lang="en-US"/>
           </a:p>
@@ -774,7 +777,7 @@
           <a:p>
             <a:fld id="{9B2CA86B-D2A5-1543-8396-0D0B2BBDC05D}" type="datetimeFigureOut">
               <a:rPr lang="en-US" smtClean="0"/>
-              <a:t>1/10/18</a:t>
+              <a:t>1/15/18</a:t>
             </a:fld>
             <a:endParaRPr lang="en-US"/>
           </a:p>
@@ -954,7 +957,7 @@
           <a:p>
             <a:fld id="{9B2CA86B-D2A5-1543-8396-0D0B2BBDC05D}" type="datetimeFigureOut">
               <a:rPr lang="en-US" smtClean="0"/>
-              <a:t>1/10/18</a:t>
+              <a:t>1/15/18</a:t>
             </a:fld>
             <a:endParaRPr lang="en-US"/>
           </a:p>
@@ -2298,7 +2301,7 @@
           <a:p>
             <a:fld id="{9B2CA86B-D2A5-1543-8396-0D0B2BBDC05D}" type="datetimeFigureOut">
               <a:rPr lang="en-US" smtClean="0"/>
-              <a:t>1/10/18</a:t>
+              <a:t>1/15/18</a:t>
             </a:fld>
             <a:endParaRPr lang="en-US"/>
           </a:p>
@@ -2544,7 +2547,7 @@
           <a:p>
             <a:fld id="{9B2CA86B-D2A5-1543-8396-0D0B2BBDC05D}" type="datetimeFigureOut">
               <a:rPr lang="en-US" smtClean="0"/>
-              <a:t>1/10/18</a:t>
+              <a:t>1/15/18</a:t>
             </a:fld>
             <a:endParaRPr lang="en-US"/>
           </a:p>
@@ -2776,7 +2779,7 @@
           <a:p>
             <a:fld id="{9B2CA86B-D2A5-1543-8396-0D0B2BBDC05D}" type="datetimeFigureOut">
               <a:rPr lang="en-US" smtClean="0"/>
-              <a:t>1/10/18</a:t>
+              <a:t>1/15/18</a:t>
             </a:fld>
             <a:endParaRPr lang="en-US"/>
           </a:p>
@@ -3143,7 +3146,7 @@
           <a:p>
             <a:fld id="{9B2CA86B-D2A5-1543-8396-0D0B2BBDC05D}" type="datetimeFigureOut">
               <a:rPr lang="en-US" smtClean="0"/>
-              <a:t>1/10/18</a:t>
+              <a:t>1/15/18</a:t>
             </a:fld>
             <a:endParaRPr lang="en-US"/>
           </a:p>
@@ -3261,7 +3264,7 @@
           <a:p>
             <a:fld id="{9B2CA86B-D2A5-1543-8396-0D0B2BBDC05D}" type="datetimeFigureOut">
               <a:rPr lang="en-US" smtClean="0"/>
-              <a:t>1/10/18</a:t>
+              <a:t>1/15/18</a:t>
             </a:fld>
             <a:endParaRPr lang="en-US"/>
           </a:p>
@@ -3356,7 +3359,7 @@
           <a:p>
             <a:fld id="{9B2CA86B-D2A5-1543-8396-0D0B2BBDC05D}" type="datetimeFigureOut">
               <a:rPr lang="en-US" smtClean="0"/>
-              <a:t>1/10/18</a:t>
+              <a:t>1/15/18</a:t>
             </a:fld>
             <a:endParaRPr lang="en-US"/>
           </a:p>
@@ -3633,7 +3636,7 @@
           <a:p>
             <a:fld id="{9B2CA86B-D2A5-1543-8396-0D0B2BBDC05D}" type="datetimeFigureOut">
               <a:rPr lang="en-US" smtClean="0"/>
-              <a:t>1/10/18</a:t>
+              <a:t>1/15/18</a:t>
             </a:fld>
             <a:endParaRPr lang="en-US"/>
           </a:p>
@@ -3886,7 +3889,7 @@
           <a:p>
             <a:fld id="{9B2CA86B-D2A5-1543-8396-0D0B2BBDC05D}" type="datetimeFigureOut">
               <a:rPr lang="en-US" smtClean="0"/>
-              <a:t>1/10/18</a:t>
+              <a:t>1/15/18</a:t>
             </a:fld>
             <a:endParaRPr lang="en-US"/>
           </a:p>
@@ -4099,7 +4102,7 @@
           <a:p>
             <a:fld id="{9B2CA86B-D2A5-1543-8396-0D0B2BBDC05D}" type="datetimeFigureOut">
               <a:rPr lang="en-US" smtClean="0"/>
-              <a:t>1/10/18</a:t>
+              <a:t>1/15/18</a:t>
             </a:fld>
             <a:endParaRPr lang="en-US"/>
           </a:p>
@@ -5493,12 +5496,8 @@
               <a:t> </a:t>
             </a:r>
             <a:r>
-              <a:rPr lang="en-US" altLang="zh-CN" dirty="0"/>
-              <a:t>9</a:t>
-            </a:r>
-            <a:r>
-              <a:rPr lang="en-US" altLang="zh-CN" dirty="0" smtClean="0"/>
-              <a:t>,</a:t>
+              <a:rPr lang="en-US" altLang="zh-CN" dirty="0" smtClean="0"/>
+              <a:t>12,</a:t>
             </a:r>
             <a:r>
               <a:rPr lang="zh-CN" altLang="en-US" dirty="0" smtClean="0"/>
@@ -5789,6 +5788,403 @@
 </p:sld>
 </file>
 
+<file path=ppt/slides/slide10.xml><?xml version="1.0" encoding="utf-8"?>
+<p:sld xmlns:a="http://schemas.openxmlformats.org/drawingml/2006/main" xmlns:r="http://schemas.openxmlformats.org/officeDocument/2006/relationships" xmlns:p="http://schemas.openxmlformats.org/presentationml/2006/main">
+  <p:cSld>
+    <p:spTree>
+      <p:nvGrpSpPr>
+        <p:cNvPr id="1" name=""/>
+        <p:cNvGrpSpPr/>
+        <p:nvPr/>
+      </p:nvGrpSpPr>
+      <p:grpSpPr>
+        <a:xfrm>
+          <a:off x="0" y="0"/>
+          <a:ext cx="0" cy="0"/>
+          <a:chOff x="0" y="0"/>
+          <a:chExt cx="0" cy="0"/>
+        </a:xfrm>
+      </p:grpSpPr>
+      <p:sp>
+        <p:nvSpPr>
+          <p:cNvPr id="2" name="Title 1"/>
+          <p:cNvSpPr>
+            <a:spLocks noGrp="1"/>
+          </p:cNvSpPr>
+          <p:nvPr>
+            <p:ph type="title"/>
+          </p:nvPr>
+        </p:nvSpPr>
+        <p:spPr/>
+        <p:txBody>
+          <a:bodyPr/>
+          <a:lstStyle/>
+          <a:p>
+            <a:r>
+              <a:rPr lang="en-US" altLang="zh-CN" dirty="0" smtClean="0"/>
+              <a:t>IBM</a:t>
+            </a:r>
+            <a:r>
+              <a:rPr lang="zh-CN" altLang="en-US" dirty="0" smtClean="0"/>
+              <a:t> </a:t>
+            </a:r>
+            <a:r>
+              <a:rPr lang="en-US" altLang="zh-CN" dirty="0" smtClean="0"/>
+              <a:t>cloud</a:t>
+            </a:r>
+            <a:r>
+              <a:rPr lang="zh-CN" altLang="en-US" dirty="0" smtClean="0"/>
+              <a:t> </a:t>
+            </a:r>
+            <a:r>
+              <a:rPr lang="en-US" altLang="zh-CN" dirty="0" smtClean="0"/>
+              <a:t>server</a:t>
+            </a:r>
+            <a:endParaRPr lang="en-US" dirty="0"/>
+          </a:p>
+        </p:txBody>
+      </p:sp>
+      <p:sp>
+        <p:nvSpPr>
+          <p:cNvPr id="3" name="Content Placeholder 2"/>
+          <p:cNvSpPr>
+            <a:spLocks noGrp="1"/>
+          </p:cNvSpPr>
+          <p:nvPr>
+            <p:ph idx="12"/>
+          </p:nvPr>
+        </p:nvSpPr>
+        <p:spPr>
+          <a:xfrm>
+            <a:off x="609600" y="1601892"/>
+            <a:ext cx="10972800" cy="5091007"/>
+          </a:xfrm>
+        </p:spPr>
+        <p:txBody>
+          <a:bodyPr numCol="1"/>
+          <a:lstStyle/>
+          <a:p>
+            <a:endParaRPr lang="en-US" sz="2400" dirty="0" smtClean="0"/>
+          </a:p>
+          <a:p>
+            <a:endParaRPr lang="en-US" sz="2400" dirty="0"/>
+          </a:p>
+          <a:p>
+            <a:endParaRPr lang="en-US" sz="2400" dirty="0" smtClean="0"/>
+          </a:p>
+          <a:p>
+            <a:endParaRPr lang="en-US" sz="2400" dirty="0"/>
+          </a:p>
+          <a:p>
+            <a:endParaRPr lang="en-US" sz="2400" dirty="0" smtClean="0"/>
+          </a:p>
+          <a:p>
+            <a:endParaRPr lang="en-US" sz="2400" dirty="0" smtClean="0"/>
+          </a:p>
+          <a:p>
+            <a:endParaRPr lang="en-US" sz="2400" dirty="0" smtClean="0"/>
+          </a:p>
+          <a:p>
+            <a:pPr lvl="1"/>
+            <a:endParaRPr lang="en-US" sz="2000" dirty="0"/>
+          </a:p>
+          <a:p>
+            <a:pPr lvl="1"/>
+            <a:endParaRPr lang="en-US" sz="2000" dirty="0" smtClean="0"/>
+          </a:p>
+          <a:p>
+            <a:endParaRPr lang="en-US" dirty="0"/>
+          </a:p>
+        </p:txBody>
+      </p:sp>
+      <p:pic>
+        <p:nvPicPr>
+          <p:cNvPr id="4" name="Picture 3"/>
+          <p:cNvPicPr>
+            <a:picLocks noChangeAspect="1"/>
+          </p:cNvPicPr>
+          <p:nvPr/>
+        </p:nvPicPr>
+        <p:blipFill>
+          <a:blip r:embed="rId2">
+            <a:extLst>
+              <a:ext uri="{28A0092B-C50C-407E-A947-70E740481C1C}">
+                <a14:useLocalDpi xmlns:a14="http://schemas.microsoft.com/office/drawing/2010/main" val="0"/>
+              </a:ext>
+            </a:extLst>
+          </a:blip>
+          <a:stretch>
+            <a:fillRect/>
+          </a:stretch>
+        </p:blipFill>
+        <p:spPr>
+          <a:xfrm>
+            <a:off x="734698" y="1601892"/>
+            <a:ext cx="10722604" cy="3720087"/>
+          </a:xfrm>
+          <a:prstGeom prst="rect">
+            <a:avLst/>
+          </a:prstGeom>
+        </p:spPr>
+      </p:pic>
+    </p:spTree>
+    <p:extLst>
+      <p:ext uri="{BB962C8B-B14F-4D97-AF65-F5344CB8AC3E}">
+        <p14:creationId xmlns:p14="http://schemas.microsoft.com/office/powerpoint/2010/main" val="1651310573"/>
+      </p:ext>
+    </p:extLst>
+  </p:cSld>
+  <p:clrMapOvr>
+    <a:masterClrMapping/>
+  </p:clrMapOvr>
+  <p:transition spd="slow"/>
+  <p:timing>
+    <p:tnLst>
+      <p:par>
+        <p:cTn id="1" dur="indefinite" restart="never" nodeType="tmRoot"/>
+      </p:par>
+    </p:tnLst>
+  </p:timing>
+</p:sld>
+</file>
+
+<file path=ppt/slides/slide11.xml><?xml version="1.0" encoding="utf-8"?>
+<p:sld xmlns:a="http://schemas.openxmlformats.org/drawingml/2006/main" xmlns:r="http://schemas.openxmlformats.org/officeDocument/2006/relationships" xmlns:p="http://schemas.openxmlformats.org/presentationml/2006/main">
+  <p:cSld>
+    <p:spTree>
+      <p:nvGrpSpPr>
+        <p:cNvPr id="1" name=""/>
+        <p:cNvGrpSpPr/>
+        <p:nvPr/>
+      </p:nvGrpSpPr>
+      <p:grpSpPr>
+        <a:xfrm>
+          <a:off x="0" y="0"/>
+          <a:ext cx="0" cy="0"/>
+          <a:chOff x="0" y="0"/>
+          <a:chExt cx="0" cy="0"/>
+        </a:xfrm>
+      </p:grpSpPr>
+      <p:sp>
+        <p:nvSpPr>
+          <p:cNvPr id="2" name="Title 1"/>
+          <p:cNvSpPr>
+            <a:spLocks noGrp="1"/>
+          </p:cNvSpPr>
+          <p:nvPr>
+            <p:ph type="title"/>
+          </p:nvPr>
+        </p:nvSpPr>
+        <p:spPr/>
+        <p:txBody>
+          <a:bodyPr/>
+          <a:lstStyle/>
+          <a:p>
+            <a:r>
+              <a:rPr lang="en-US" altLang="zh-CN" dirty="0" smtClean="0"/>
+              <a:t>IBM</a:t>
+            </a:r>
+            <a:r>
+              <a:rPr lang="zh-CN" altLang="en-US" dirty="0" smtClean="0"/>
+              <a:t> </a:t>
+            </a:r>
+            <a:r>
+              <a:rPr lang="en-US" altLang="zh-CN" dirty="0" smtClean="0"/>
+              <a:t>cloud</a:t>
+            </a:r>
+            <a:r>
+              <a:rPr lang="zh-CN" altLang="en-US" dirty="0" smtClean="0"/>
+              <a:t> </a:t>
+            </a:r>
+            <a:r>
+              <a:rPr lang="en-US" altLang="zh-CN" dirty="0" smtClean="0"/>
+              <a:t>server</a:t>
+            </a:r>
+            <a:endParaRPr lang="en-US" dirty="0"/>
+          </a:p>
+        </p:txBody>
+      </p:sp>
+      <p:sp>
+        <p:nvSpPr>
+          <p:cNvPr id="3" name="Content Placeholder 2"/>
+          <p:cNvSpPr>
+            <a:spLocks noGrp="1"/>
+          </p:cNvSpPr>
+          <p:nvPr>
+            <p:ph idx="12"/>
+          </p:nvPr>
+        </p:nvSpPr>
+        <p:spPr/>
+        <p:txBody>
+          <a:bodyPr/>
+          <a:lstStyle/>
+          <a:p>
+            <a:r>
+              <a:rPr lang="en-US" sz="2400" dirty="0"/>
+              <a:t>Intel Xeon E5-2690 v4: </a:t>
+            </a:r>
+            <a:r>
+              <a:rPr lang="en-US" altLang="zh-CN" sz="2400" dirty="0" smtClean="0"/>
+              <a:t>$1500</a:t>
+            </a:r>
+            <a:r>
+              <a:rPr lang="en-US" sz="2400" dirty="0" smtClean="0"/>
+              <a:t>/month </a:t>
+            </a:r>
+            <a:r>
+              <a:rPr lang="en-US" sz="2400" dirty="0"/>
+              <a:t>(additional 30% IBM internal discount</a:t>
+            </a:r>
+            <a:r>
+              <a:rPr lang="en-US" sz="2400" dirty="0" smtClean="0"/>
+              <a:t>)</a:t>
+            </a:r>
+          </a:p>
+          <a:p>
+            <a:pPr lvl="1"/>
+            <a:r>
+              <a:rPr lang="en-US" altLang="zh-CN" sz="2100" dirty="0" smtClean="0"/>
+              <a:t>Configure</a:t>
+            </a:r>
+            <a:r>
+              <a:rPr lang="zh-CN" altLang="en-US" sz="2100" dirty="0" smtClean="0"/>
+              <a:t> </a:t>
+            </a:r>
+            <a:r>
+              <a:rPr lang="en-US" altLang="zh-CN" sz="2100" dirty="0" smtClean="0"/>
+              <a:t>to</a:t>
+            </a:r>
+            <a:r>
+              <a:rPr lang="zh-CN" altLang="en-US" sz="2100" dirty="0" smtClean="0"/>
+              <a:t> </a:t>
+            </a:r>
+            <a:r>
+              <a:rPr lang="en-US" altLang="zh-CN" sz="2100" dirty="0" smtClean="0"/>
+              <a:t>our</a:t>
+            </a:r>
+            <a:r>
+              <a:rPr lang="zh-CN" altLang="en-US" sz="2100" dirty="0" smtClean="0"/>
+              <a:t> </a:t>
+            </a:r>
+            <a:r>
+              <a:rPr lang="en-US" altLang="zh-CN" sz="2100" dirty="0" smtClean="0"/>
+              <a:t>demand</a:t>
+            </a:r>
+            <a:endParaRPr lang="en-US" sz="2100" dirty="0"/>
+          </a:p>
+          <a:p>
+            <a:pPr lvl="2"/>
+            <a:r>
+              <a:rPr lang="en-US" sz="1700" dirty="0"/>
+              <a:t>HIPAA compliant</a:t>
+            </a:r>
+          </a:p>
+          <a:p>
+            <a:pPr lvl="2"/>
+            <a:r>
+              <a:rPr lang="en-US" sz="1700" dirty="0"/>
+              <a:t>28 cores, 2.60 GHz</a:t>
+            </a:r>
+          </a:p>
+          <a:p>
+            <a:pPr lvl="2"/>
+            <a:r>
+              <a:rPr lang="en-US" altLang="zh-CN" sz="1700" dirty="0" smtClean="0"/>
+              <a:t>256GB</a:t>
+            </a:r>
+            <a:r>
+              <a:rPr lang="zh-CN" altLang="en-US" sz="1700" dirty="0" smtClean="0"/>
+              <a:t> </a:t>
+            </a:r>
+            <a:r>
+              <a:rPr lang="en-US" sz="1700" dirty="0"/>
+              <a:t>RAM</a:t>
+            </a:r>
+            <a:r>
+              <a:rPr lang="en-US" altLang="zh-CN" sz="1700" dirty="0"/>
+              <a:t>,</a:t>
+            </a:r>
+            <a:r>
+              <a:rPr lang="zh-CN" altLang="en-US" sz="1700" dirty="0"/>
+              <a:t> </a:t>
+            </a:r>
+            <a:r>
+              <a:rPr lang="en-US" altLang="zh-CN" sz="1700" dirty="0" smtClean="0"/>
+              <a:t>10TB</a:t>
+            </a:r>
+            <a:r>
+              <a:rPr lang="zh-CN" altLang="en-US" sz="1700" dirty="0" smtClean="0"/>
+              <a:t> </a:t>
+            </a:r>
+            <a:r>
+              <a:rPr lang="en-US" altLang="zh-CN" sz="1700" dirty="0"/>
+              <a:t>storage</a:t>
+            </a:r>
+          </a:p>
+          <a:p>
+            <a:pPr lvl="2"/>
+            <a:r>
+              <a:rPr lang="en-US" altLang="zh-CN" sz="1700" dirty="0"/>
+              <a:t>Point</a:t>
+            </a:r>
+            <a:r>
+              <a:rPr lang="zh-CN" altLang="en-US" sz="1700" dirty="0"/>
+              <a:t> </a:t>
+            </a:r>
+            <a:r>
+              <a:rPr lang="en-US" altLang="zh-CN" sz="1700" dirty="0"/>
+              <a:t>of</a:t>
+            </a:r>
+            <a:r>
+              <a:rPr lang="zh-CN" altLang="en-US" sz="1700" dirty="0"/>
+              <a:t> </a:t>
+            </a:r>
+            <a:r>
+              <a:rPr lang="en-US" altLang="zh-CN" sz="1700" dirty="0"/>
+              <a:t>contact:</a:t>
+            </a:r>
+            <a:r>
+              <a:rPr lang="zh-CN" altLang="en-US" sz="1700" dirty="0"/>
+              <a:t> </a:t>
+            </a:r>
+            <a:r>
+              <a:rPr lang="en-US" altLang="zh-CN" sz="1700" dirty="0">
+                <a:hlinkClick r:id="rId2"/>
+              </a:rPr>
+              <a:t>wnichola@us.ibm.com</a:t>
+            </a:r>
+            <a:r>
+              <a:rPr lang="zh-CN" altLang="en-US" sz="1700" dirty="0"/>
+              <a:t> </a:t>
+            </a:r>
+            <a:endParaRPr lang="en-US" sz="1700" dirty="0"/>
+          </a:p>
+          <a:p>
+            <a:endParaRPr lang="en-US" dirty="0"/>
+          </a:p>
+        </p:txBody>
+      </p:sp>
+    </p:spTree>
+    <p:extLst>
+      <p:ext uri="{BB962C8B-B14F-4D97-AF65-F5344CB8AC3E}">
+        <p14:creationId xmlns:p14="http://schemas.microsoft.com/office/powerpoint/2010/main" val="997194489"/>
+      </p:ext>
+    </p:extLst>
+  </p:cSld>
+  <p:clrMapOvr>
+    <a:masterClrMapping/>
+  </p:clrMapOvr>
+  <p:transition spd="slow"/>
+  <p:timing>
+    <p:tnLst>
+      <p:par>
+        <p:cTn id="1" dur="indefinite" restart="never" nodeType="tmRoot"/>
+      </p:par>
+    </p:tnLst>
+  </p:timing>
+</p:sld>
+</file>
+
 <file path=ppt/slides/slide2.xml><?xml version="1.0" encoding="utf-8"?>
 <p:sld xmlns:a="http://schemas.openxmlformats.org/drawingml/2006/main" xmlns:r="http://schemas.openxmlformats.org/officeDocument/2006/relationships" xmlns:p="http://schemas.openxmlformats.org/presentationml/2006/main">
   <p:cSld>
@@ -6023,7 +6419,6 @@
               <a:rPr lang="en-US" altLang="zh-CN" sz="2000" dirty="0" smtClean="0"/>
               <a:t>HIPAA</a:t>
             </a:r>
-            <a:endParaRPr lang="en-US" altLang="zh-CN" sz="2000" dirty="0" smtClean="0"/>
           </a:p>
           <a:p>
             <a:pPr lvl="1"/>
@@ -6268,8 +6663,12 @@
           <a:lstStyle/>
           <a:p>
             <a:r>
-              <a:rPr lang="en-US" altLang="zh-CN" dirty="0" smtClean="0"/>
-              <a:t>Production</a:t>
+              <a:rPr lang="en-US" altLang="zh-CN" dirty="0"/>
+              <a:t>D</a:t>
+            </a:r>
+            <a:r>
+              <a:rPr lang="en-US" altLang="zh-CN" dirty="0" smtClean="0"/>
+              <a:t>evelopment</a:t>
             </a:r>
             <a:r>
               <a:rPr lang="zh-CN" altLang="en-US" dirty="0" smtClean="0"/>
@@ -6324,7 +6723,7 @@
             </a:r>
             <a:r>
               <a:rPr lang="en-US" altLang="zh-CN" dirty="0" smtClean="0"/>
-              <a:t>production</a:t>
+              <a:t>development</a:t>
             </a:r>
             <a:r>
               <a:rPr lang="zh-CN" altLang="en-US" dirty="0" smtClean="0"/>
@@ -6591,8 +6990,29 @@
             </a:r>
             <a:r>
               <a:rPr lang="en-US" altLang="zh-CN" dirty="0" smtClean="0"/>
-              <a:t>1465)</a:t>
-            </a:r>
+              <a:t>1465</a:t>
+            </a:r>
+            <a:r>
+              <a:rPr lang="en-US" altLang="zh-CN" dirty="0" smtClean="0"/>
+              <a:t>)</a:t>
+            </a:r>
+            <a:r>
+              <a:rPr lang="zh-CN" altLang="en-US" dirty="0" smtClean="0"/>
+              <a:t> </a:t>
+            </a:r>
+            <a:r>
+              <a:rPr lang="en-US" altLang="zh-CN" dirty="0" smtClean="0">
+                <a:solidFill>
+                  <a:schemeClr val="accent6"/>
+                </a:solidFill>
+              </a:rPr>
+              <a:t>??</a:t>
+            </a:r>
+            <a:endParaRPr lang="en-US" altLang="zh-CN" dirty="0" smtClean="0">
+              <a:solidFill>
+                <a:schemeClr val="accent6"/>
+              </a:solidFill>
+            </a:endParaRPr>
           </a:p>
           <a:p>
             <a:pPr lvl="1"/>
@@ -6821,7 +7241,7 @@
             </a:r>
             <a:r>
               <a:rPr lang="en-US" altLang="zh-CN" dirty="0" smtClean="0"/>
-              <a:t>production</a:t>
+              <a:t>development</a:t>
             </a:r>
             <a:r>
               <a:rPr lang="zh-CN" altLang="en-US" dirty="0" smtClean="0"/>
@@ -6907,8 +7327,12 @@
           <a:lstStyle/>
           <a:p>
             <a:r>
-              <a:rPr lang="en-US" altLang="zh-CN" dirty="0" smtClean="0"/>
-              <a:t>Production</a:t>
+              <a:rPr lang="en-US" altLang="zh-CN" dirty="0"/>
+              <a:t>D</a:t>
+            </a:r>
+            <a:r>
+              <a:rPr lang="en-US" altLang="zh-CN" dirty="0" smtClean="0"/>
+              <a:t>evelopment</a:t>
             </a:r>
             <a:r>
               <a:rPr lang="zh-CN" altLang="en-US" dirty="0" smtClean="0"/>
@@ -6948,14 +7372,14 @@
             <p:ph idx="12"/>
             <p:extLst>
               <p:ext uri="{D42A27DB-BD31-4B8C-83A1-F6EECF244321}">
-                <p14:modId xmlns:p14="http://schemas.microsoft.com/office/powerpoint/2010/main" val="1948567792"/>
+                <p14:modId xmlns:p14="http://schemas.microsoft.com/office/powerpoint/2010/main" val="1105991229"/>
               </p:ext>
             </p:extLst>
           </p:nvPr>
         </p:nvGraphicFramePr>
         <p:xfrm>
           <a:off x="609600" y="1601789"/>
-          <a:ext cx="10972800" cy="3292848"/>
+          <a:ext cx="10972800" cy="3412171"/>
         </p:xfrm>
         <a:graphic>
           <a:graphicData uri="http://schemas.openxmlformats.org/drawingml/2006/table">
@@ -6991,7 +7415,7 @@
                             <a:schemeClr val="tx2"/>
                           </a:solidFill>
                         </a:rPr>
-                        <a:t>Production</a:t>
+                        <a:t>Development</a:t>
                       </a:r>
                       <a:endParaRPr lang="en-US" sz="2000" dirty="0">
                         <a:solidFill>
@@ -7123,7 +7547,7 @@
                             <a:srgbClr val="991E1B"/>
                           </a:solidFill>
                         </a:rPr>
-                        <a:t>Production</a:t>
+                        <a:t>development</a:t>
                       </a:r>
                       <a:r>
                         <a:rPr lang="zh-CN" altLang="en-US" sz="1600" baseline="0" dirty="0" smtClean="0">
@@ -7271,7 +7695,7 @@
                       </a:r>
                       <a:r>
                         <a:rPr lang="en-US" altLang="zh-CN" sz="1600" baseline="0" dirty="0" smtClean="0"/>
-                        <a:t>Analytics</a:t>
+                        <a:t>Analytics(API?)</a:t>
                       </a:r>
                       <a:endParaRPr lang="en-US" sz="1600" dirty="0"/>
                     </a:p>
@@ -7332,44 +7756,20 @@
                         <a:t> </a:t>
                       </a:r>
                       <a:r>
+                        <a:rPr lang="en-US" altLang="zh-CN" sz="1600" baseline="0" smtClean="0">
+                          <a:solidFill>
+                            <a:srgbClr val="991E1B"/>
+                          </a:solidFill>
+                        </a:rPr>
+                        <a:t>Python(&gt;=3.6</a:t>
+                      </a:r>
+                      <a:r>
                         <a:rPr lang="en-US" altLang="zh-CN" sz="1600" baseline="0" dirty="0" smtClean="0">
                           <a:solidFill>
                             <a:srgbClr val="991E1B"/>
                           </a:solidFill>
                         </a:rPr>
-                        <a:t>Python(2.7</a:t>
-                      </a:r>
-                      <a:r>
-                        <a:rPr lang="zh-CN" altLang="en-US" sz="1600" baseline="0" dirty="0" smtClean="0">
-                          <a:solidFill>
-                            <a:srgbClr val="991E1B"/>
-                          </a:solidFill>
-                        </a:rPr>
-                        <a:t> </a:t>
-                      </a:r>
-                      <a:r>
-                        <a:rPr lang="en-US" altLang="zh-CN" sz="1600" baseline="0" dirty="0" smtClean="0">
-                          <a:solidFill>
-                            <a:srgbClr val="991E1B"/>
-                          </a:solidFill>
-                        </a:rPr>
-                        <a:t>and</a:t>
-                      </a:r>
-                      <a:r>
-                        <a:rPr lang="zh-CN" altLang="en-US" sz="1600" baseline="0" dirty="0" smtClean="0">
-                          <a:solidFill>
-                            <a:srgbClr val="991E1B"/>
-                          </a:solidFill>
-                        </a:rPr>
-                        <a:t> </a:t>
-                      </a:r>
-                      <a:r>
-                        <a:rPr lang="en-US" altLang="zh-CN" sz="1600" baseline="0" dirty="0" smtClean="0">
-                          <a:solidFill>
-                            <a:srgbClr val="991E1B"/>
-                          </a:solidFill>
-                        </a:rPr>
-                        <a:t>3.6:</a:t>
+                        <a:t>:</a:t>
                       </a:r>
                       <a:r>
                         <a:rPr lang="zh-CN" altLang="en-US" sz="1600" baseline="0" dirty="0" smtClean="0">
@@ -7619,7 +8019,31 @@
                             <a:srgbClr val="991E1B"/>
                           </a:solidFill>
                         </a:rPr>
-                        <a:t>SAS(?)</a:t>
+                        <a:t>Hadoop,</a:t>
+                      </a:r>
+                      <a:r>
+                        <a:rPr lang="zh-CN" altLang="en-US" sz="1600" baseline="0" dirty="0" smtClean="0">
+                          <a:solidFill>
+                            <a:srgbClr val="991E1B"/>
+                          </a:solidFill>
+                        </a:rPr>
+                        <a:t> </a:t>
+                      </a:r>
+                      <a:r>
+                        <a:rPr lang="en-US" altLang="zh-CN" sz="1600" baseline="0" dirty="0" smtClean="0">
+                          <a:solidFill>
+                            <a:srgbClr val="991E1B"/>
+                          </a:solidFill>
+                        </a:rPr>
+                        <a:t>SAS</a:t>
+                      </a:r>
+                      <a:r>
+                        <a:rPr lang="en-US" altLang="zh-CN" sz="1600" baseline="0" dirty="0" smtClean="0">
+                          <a:solidFill>
+                            <a:srgbClr val="991E1B"/>
+                          </a:solidFill>
+                        </a:rPr>
+                        <a:t>(?)</a:t>
                       </a:r>
                       <a:endParaRPr lang="en-US" sz="1600" i="0" dirty="0">
                         <a:solidFill>
@@ -7754,7 +8178,7 @@
                             <a:srgbClr val="4C991D"/>
                           </a:solidFill>
                         </a:rPr>
-                        <a:t>project/production</a:t>
+                        <a:t>project/development</a:t>
                       </a:r>
                       <a:r>
                         <a:rPr lang="zh-CN" altLang="en-US" sz="1600" baseline="0" dirty="0" smtClean="0">
@@ -7944,7 +8368,55 @@
                             <a:srgbClr val="991E1B"/>
                           </a:solidFill>
                         </a:rPr>
-                        <a:t>users</a:t>
+                        <a:t>users,</a:t>
+                      </a:r>
+                      <a:r>
+                        <a:rPr lang="zh-CN" altLang="en-US" sz="1600" baseline="0" dirty="0" smtClean="0">
+                          <a:solidFill>
+                            <a:srgbClr val="991E1B"/>
+                          </a:solidFill>
+                        </a:rPr>
+                        <a:t> </a:t>
+                      </a:r>
+                      <a:r>
+                        <a:rPr lang="en-US" altLang="zh-CN" sz="1600" baseline="0" dirty="0" smtClean="0">
+                          <a:solidFill>
+                            <a:srgbClr val="991E1B"/>
+                          </a:solidFill>
+                        </a:rPr>
+                        <a:t>(o</a:t>
+                      </a:r>
+                      <a:r>
+                        <a:rPr lang="en-US" sz="1600" i="0" baseline="0" dirty="0" smtClean="0">
+                          <a:solidFill>
+                            <a:srgbClr val="991E1B"/>
+                          </a:solidFill>
+                        </a:rPr>
+                        <a:t>pen port for pip and </a:t>
+                      </a:r>
+                      <a:r>
+                        <a:rPr lang="en-US" sz="1600" i="0" baseline="0" dirty="0" err="1" smtClean="0">
+                          <a:solidFill>
+                            <a:srgbClr val="991E1B"/>
+                          </a:solidFill>
+                        </a:rPr>
+                        <a:t>cran</a:t>
+                      </a:r>
+                      <a:r>
+                        <a:rPr lang="en-US" sz="1600" i="0" baseline="0" dirty="0" smtClean="0">
+                          <a:solidFill>
+                            <a:srgbClr val="991E1B"/>
+                          </a:solidFill>
+                        </a:rPr>
+                        <a:t> (Python and R package installation)</a:t>
+                      </a:r>
+                      <a:r>
+                        <a:rPr lang="en-US" altLang="zh-CN" sz="1600" i="0" baseline="0" dirty="0" smtClean="0">
+                          <a:solidFill>
+                            <a:srgbClr val="991E1B"/>
+                          </a:solidFill>
+                        </a:rPr>
+                        <a:t>??)</a:t>
                       </a:r>
                       <a:endParaRPr lang="en-US" sz="1600" i="0" dirty="0">
                         <a:solidFill>
@@ -8015,7 +8487,7 @@
           <a:p>
             <a:r>
               <a:rPr lang="en-US" altLang="zh-CN" dirty="0" smtClean="0"/>
-              <a:t>Production</a:t>
+              <a:t>General</a:t>
             </a:r>
             <a:r>
               <a:rPr lang="zh-CN" altLang="en-US" dirty="0" smtClean="0"/>
@@ -8023,961 +8495,103 @@
             </a:r>
             <a:r>
               <a:rPr lang="en-US" altLang="zh-CN" dirty="0" smtClean="0"/>
-              <a:t>vs.</a:t>
-            </a:r>
-            <a:r>
-              <a:rPr lang="zh-CN" altLang="en-US" dirty="0" smtClean="0"/>
-              <a:t> </a:t>
-            </a:r>
-            <a:r>
-              <a:rPr lang="en-US" altLang="zh-CN" dirty="0" smtClean="0"/>
-              <a:t>Sandbox</a:t>
-            </a:r>
-            <a:r>
-              <a:rPr lang="zh-CN" altLang="en-US" dirty="0" smtClean="0"/>
-              <a:t> </a:t>
-            </a:r>
-            <a:r>
-              <a:rPr lang="en-US" altLang="zh-CN" dirty="0" smtClean="0"/>
-              <a:t>server</a:t>
+              <a:t>HIPAA	</a:t>
             </a:r>
             <a:endParaRPr lang="en-US" dirty="0"/>
           </a:p>
         </p:txBody>
       </p:sp>
-      <p:graphicFrame>
-        <p:nvGraphicFramePr>
-          <p:cNvPr id="4" name="Content Placeholder 3"/>
-          <p:cNvGraphicFramePr>
-            <a:graphicFrameLocks noGrp="1"/>
-          </p:cNvGraphicFramePr>
+      <p:sp>
+        <p:nvSpPr>
+          <p:cNvPr id="3" name="Content Placeholder 2"/>
+          <p:cNvSpPr>
+            <a:spLocks noGrp="1"/>
+          </p:cNvSpPr>
           <p:nvPr>
             <p:ph idx="12"/>
-            <p:extLst>
-              <p:ext uri="{D42A27DB-BD31-4B8C-83A1-F6EECF244321}">
-                <p14:modId xmlns:p14="http://schemas.microsoft.com/office/powerpoint/2010/main" val="447106988"/>
-              </p:ext>
-            </p:extLst>
           </p:nvPr>
-        </p:nvGraphicFramePr>
-        <p:xfrm>
-          <a:off x="609600" y="1601789"/>
-          <a:ext cx="10972800" cy="3732211"/>
-        </p:xfrm>
-        <a:graphic>
-          <a:graphicData uri="http://schemas.openxmlformats.org/drawingml/2006/table">
-            <a:tbl>
-              <a:tblPr firstRow="1" bandRow="1">
-                <a:tableStyleId>{FABFCF23-3B69-468F-B69F-88F6DE6A72F2}</a:tableStyleId>
-              </a:tblPr>
-              <a:tblGrid>
-                <a:gridCol w="2349500"/>
-                <a:gridCol w="4330700"/>
-                <a:gridCol w="4292600"/>
-              </a:tblGrid>
-              <a:tr h="379762">
-                <a:tc>
-                  <a:txBody>
-                    <a:bodyPr/>
-                    <a:lstStyle/>
-                    <a:p>
-                      <a:endParaRPr lang="en-US" sz="1600" dirty="0"/>
-                    </a:p>
-                  </a:txBody>
-                  <a:tcPr/>
-                </a:tc>
-                <a:tc>
-                  <a:txBody>
-                    <a:bodyPr/>
-                    <a:lstStyle/>
-                    <a:p>
-                      <a:pPr algn="l"/>
-                      <a:r>
-                        <a:rPr lang="en-US" altLang="zh-CN" sz="2000" dirty="0" smtClean="0">
-                          <a:solidFill>
-                            <a:schemeClr val="tx2"/>
-                          </a:solidFill>
-                        </a:rPr>
-                        <a:t>Production</a:t>
-                      </a:r>
-                      <a:endParaRPr lang="en-US" sz="2000" dirty="0">
-                        <a:solidFill>
-                          <a:schemeClr val="tx2"/>
-                        </a:solidFill>
-                      </a:endParaRPr>
-                    </a:p>
-                  </a:txBody>
-                  <a:tcPr/>
-                </a:tc>
-                <a:tc>
-                  <a:txBody>
-                    <a:bodyPr/>
-                    <a:lstStyle/>
-                    <a:p>
-                      <a:pPr algn="l"/>
-                      <a:r>
-                        <a:rPr lang="en-US" altLang="zh-CN" sz="2000" dirty="0" smtClean="0">
-                          <a:solidFill>
-                            <a:schemeClr val="tx2"/>
-                          </a:solidFill>
-                        </a:rPr>
-                        <a:t>Sandbox</a:t>
-                      </a:r>
-                      <a:endParaRPr lang="en-US" sz="2000" dirty="0">
-                        <a:solidFill>
-                          <a:schemeClr val="tx2"/>
-                        </a:solidFill>
-                      </a:endParaRPr>
-                    </a:p>
-                  </a:txBody>
-                  <a:tcPr/>
-                </a:tc>
-              </a:tr>
-              <a:tr h="402271">
-                <a:tc>
-                  <a:txBody>
-                    <a:bodyPr/>
-                    <a:lstStyle/>
-                    <a:p>
-                      <a:pPr algn="l"/>
-                      <a:r>
-                        <a:rPr lang="en-US" altLang="zh-CN" sz="1800" dirty="0" smtClean="0"/>
-                        <a:t>CPU</a:t>
-                      </a:r>
-                      <a:endParaRPr lang="en-US" sz="1800" b="1" dirty="0"/>
-                    </a:p>
-                  </a:txBody>
-                  <a:tcPr/>
-                </a:tc>
-                <a:tc>
-                  <a:txBody>
-                    <a:bodyPr/>
-                    <a:lstStyle/>
-                    <a:p>
-                      <a:r>
-                        <a:rPr lang="en-US" altLang="zh-CN" sz="1600" dirty="0" smtClean="0">
-                          <a:solidFill>
-                            <a:srgbClr val="4C991D"/>
-                          </a:solidFill>
-                        </a:rPr>
-                        <a:t>24</a:t>
-                      </a:r>
-                      <a:endParaRPr lang="en-US" sz="1600" dirty="0">
-                        <a:solidFill>
-                          <a:srgbClr val="4C991D"/>
-                        </a:solidFill>
-                      </a:endParaRPr>
-                    </a:p>
-                  </a:txBody>
-                  <a:tcPr/>
-                </a:tc>
-                <a:tc>
-                  <a:txBody>
-                    <a:bodyPr/>
-                    <a:lstStyle/>
-                    <a:p>
-                      <a:r>
-                        <a:rPr lang="en-US" altLang="zh-CN" sz="1600" dirty="0" smtClean="0">
-                          <a:solidFill>
-                            <a:srgbClr val="991E1B"/>
-                          </a:solidFill>
-                        </a:rPr>
-                        <a:t>8</a:t>
-                      </a:r>
-                      <a:r>
-                        <a:rPr lang="zh-CN" altLang="en-US" sz="1600" dirty="0" smtClean="0">
-                          <a:solidFill>
-                            <a:srgbClr val="991E1B"/>
-                          </a:solidFill>
-                        </a:rPr>
-                        <a:t> </a:t>
-                      </a:r>
-                      <a:r>
-                        <a:rPr lang="en-US" altLang="zh-CN" sz="1600" dirty="0" smtClean="0">
-                          <a:solidFill>
-                            <a:srgbClr val="991E1B"/>
-                          </a:solidFill>
-                        </a:rPr>
-                        <a:t>per</a:t>
-                      </a:r>
-                      <a:r>
-                        <a:rPr lang="zh-CN" altLang="en-US" sz="1600" dirty="0" smtClean="0">
-                          <a:solidFill>
-                            <a:srgbClr val="991E1B"/>
-                          </a:solidFill>
-                        </a:rPr>
-                        <a:t> </a:t>
-                      </a:r>
-                      <a:r>
-                        <a:rPr lang="en-US" altLang="zh-CN" sz="1600" dirty="0" smtClean="0">
-                          <a:solidFill>
-                            <a:srgbClr val="991E1B"/>
-                          </a:solidFill>
-                        </a:rPr>
-                        <a:t>user</a:t>
-                      </a:r>
-                      <a:endParaRPr lang="en-US" sz="1600" dirty="0">
-                        <a:solidFill>
-                          <a:srgbClr val="991E1B"/>
-                        </a:solidFill>
-                      </a:endParaRPr>
-                    </a:p>
-                  </a:txBody>
-                  <a:tcPr/>
-                </a:tc>
-              </a:tr>
-              <a:tr h="444500">
-                <a:tc>
-                  <a:txBody>
-                    <a:bodyPr/>
-                    <a:lstStyle/>
-                    <a:p>
-                      <a:pPr algn="l"/>
-                      <a:r>
-                        <a:rPr lang="en-US" altLang="zh-CN" sz="1800" dirty="0" smtClean="0"/>
-                        <a:t>Storage</a:t>
-                      </a:r>
-                      <a:endParaRPr lang="en-US" sz="1800" b="1" dirty="0"/>
-                    </a:p>
-                  </a:txBody>
-                  <a:tcPr/>
-                </a:tc>
-                <a:tc>
-                  <a:txBody>
-                    <a:bodyPr/>
-                    <a:lstStyle/>
-                    <a:p>
-                      <a:r>
-                        <a:rPr lang="en-US" altLang="zh-CN" sz="1600" dirty="0" smtClean="0">
-                          <a:solidFill>
-                            <a:srgbClr val="4C991D"/>
-                          </a:solidFill>
-                        </a:rPr>
-                        <a:t>4-8TB</a:t>
-                      </a:r>
-                      <a:r>
-                        <a:rPr lang="zh-CN" altLang="en-US" sz="1600" dirty="0" smtClean="0">
-                          <a:solidFill>
-                            <a:srgbClr val="4C991D"/>
-                          </a:solidFill>
-                        </a:rPr>
-                        <a:t> </a:t>
-                      </a:r>
-                      <a:r>
-                        <a:rPr lang="en-US" altLang="zh-CN" sz="1600" dirty="0" smtClean="0">
-                          <a:solidFill>
-                            <a:srgbClr val="4C991D"/>
-                          </a:solidFill>
-                        </a:rPr>
-                        <a:t>(must</a:t>
-                      </a:r>
-                      <a:r>
-                        <a:rPr lang="zh-CN" altLang="en-US" sz="1600" dirty="0" smtClean="0">
-                          <a:solidFill>
-                            <a:srgbClr val="4C991D"/>
-                          </a:solidFill>
-                        </a:rPr>
-                        <a:t> </a:t>
-                      </a:r>
-                      <a:r>
-                        <a:rPr lang="en-US" altLang="zh-CN" sz="1600" dirty="0" smtClean="0">
-                          <a:solidFill>
-                            <a:srgbClr val="4C991D"/>
-                          </a:solidFill>
-                        </a:rPr>
-                        <a:t>be</a:t>
-                      </a:r>
-                      <a:r>
-                        <a:rPr lang="zh-CN" altLang="en-US" sz="1600" dirty="0" smtClean="0">
-                          <a:solidFill>
-                            <a:srgbClr val="4C991D"/>
-                          </a:solidFill>
-                        </a:rPr>
-                        <a:t> </a:t>
-                      </a:r>
-                      <a:r>
-                        <a:rPr lang="en-US" altLang="zh-CN" sz="1600" dirty="0" smtClean="0">
-                          <a:solidFill>
-                            <a:srgbClr val="4C991D"/>
-                          </a:solidFill>
-                        </a:rPr>
-                        <a:t>scalable)</a:t>
-                      </a:r>
-                      <a:endParaRPr lang="en-US" sz="1600" dirty="0">
-                        <a:solidFill>
-                          <a:srgbClr val="4C991D"/>
-                        </a:solidFill>
-                      </a:endParaRPr>
-                    </a:p>
-                  </a:txBody>
-                  <a:tcPr/>
-                </a:tc>
-                <a:tc>
-                  <a:txBody>
-                    <a:bodyPr/>
-                    <a:lstStyle/>
-                    <a:p>
-                      <a:r>
-                        <a:rPr lang="en-US" altLang="zh-CN" sz="1600" dirty="0" smtClean="0">
-                          <a:solidFill>
-                            <a:srgbClr val="991E1B"/>
-                          </a:solidFill>
-                        </a:rPr>
-                        <a:t>1-2TB</a:t>
-                      </a:r>
-                      <a:r>
-                        <a:rPr lang="zh-CN" altLang="en-US" sz="1600" dirty="0" smtClean="0">
-                          <a:solidFill>
-                            <a:srgbClr val="991E1B"/>
-                          </a:solidFill>
-                        </a:rPr>
-                        <a:t> </a:t>
-                      </a:r>
-                      <a:r>
-                        <a:rPr lang="en-US" altLang="zh-CN" sz="1600" dirty="0" smtClean="0">
-                          <a:solidFill>
-                            <a:srgbClr val="991E1B"/>
-                          </a:solidFill>
-                        </a:rPr>
-                        <a:t>(must</a:t>
-                      </a:r>
-                      <a:r>
-                        <a:rPr lang="zh-CN" altLang="en-US" sz="1600" dirty="0" smtClean="0">
-                          <a:solidFill>
-                            <a:srgbClr val="991E1B"/>
-                          </a:solidFill>
-                        </a:rPr>
-                        <a:t> </a:t>
-                      </a:r>
-                      <a:r>
-                        <a:rPr lang="en-US" altLang="zh-CN" sz="1600" dirty="0" smtClean="0">
-                          <a:solidFill>
-                            <a:srgbClr val="991E1B"/>
-                          </a:solidFill>
-                        </a:rPr>
-                        <a:t>be</a:t>
-                      </a:r>
-                      <a:r>
-                        <a:rPr lang="zh-CN" altLang="en-US" sz="1600" dirty="0" smtClean="0">
-                          <a:solidFill>
-                            <a:srgbClr val="991E1B"/>
-                          </a:solidFill>
-                        </a:rPr>
-                        <a:t> </a:t>
-                      </a:r>
-                      <a:r>
-                        <a:rPr lang="en-US" altLang="zh-CN" sz="1600" dirty="0" smtClean="0">
-                          <a:solidFill>
-                            <a:srgbClr val="991E1B"/>
-                          </a:solidFill>
-                        </a:rPr>
-                        <a:t>scalable)</a:t>
-                      </a:r>
-                      <a:endParaRPr lang="en-US" sz="1600" dirty="0">
-                        <a:solidFill>
-                          <a:srgbClr val="991E1B"/>
-                        </a:solidFill>
-                      </a:endParaRPr>
-                    </a:p>
-                  </a:txBody>
-                  <a:tcPr/>
-                </a:tc>
-              </a:tr>
-              <a:tr h="431800">
-                <a:tc>
-                  <a:txBody>
-                    <a:bodyPr/>
-                    <a:lstStyle/>
-                    <a:p>
-                      <a:pPr algn="l"/>
-                      <a:r>
-                        <a:rPr lang="en-US" altLang="zh-CN" sz="1800" dirty="0" smtClean="0"/>
-                        <a:t>RAM</a:t>
-                      </a:r>
-                      <a:endParaRPr lang="en-US" sz="1800" b="1" dirty="0"/>
-                    </a:p>
-                  </a:txBody>
-                  <a:tcPr/>
-                </a:tc>
-                <a:tc>
-                  <a:txBody>
-                    <a:bodyPr/>
-                    <a:lstStyle/>
-                    <a:p>
-                      <a:r>
-                        <a:rPr lang="en-US" altLang="zh-CN" sz="1600" dirty="0" smtClean="0">
-                          <a:solidFill>
-                            <a:srgbClr val="4C991D"/>
-                          </a:solidFill>
-                        </a:rPr>
-                        <a:t>64-128GB</a:t>
-                      </a:r>
-                      <a:endParaRPr lang="en-US" sz="1600" dirty="0">
-                        <a:solidFill>
-                          <a:srgbClr val="4C991D"/>
-                        </a:solidFill>
-                      </a:endParaRPr>
-                    </a:p>
-                  </a:txBody>
-                  <a:tcPr/>
-                </a:tc>
-                <a:tc>
-                  <a:txBody>
-                    <a:bodyPr/>
-                    <a:lstStyle/>
-                    <a:p>
-                      <a:r>
-                        <a:rPr lang="en-US" altLang="zh-CN" sz="1600" dirty="0" smtClean="0">
-                          <a:solidFill>
-                            <a:srgbClr val="991E1B"/>
-                          </a:solidFill>
-                        </a:rPr>
-                        <a:t>16-32GB</a:t>
-                      </a:r>
-                      <a:r>
-                        <a:rPr lang="zh-CN" altLang="en-US" sz="1600" baseline="0" dirty="0" smtClean="0">
-                          <a:solidFill>
-                            <a:srgbClr val="991E1B"/>
-                          </a:solidFill>
-                        </a:rPr>
-                        <a:t> </a:t>
-                      </a:r>
-                      <a:r>
-                        <a:rPr lang="en-US" altLang="zh-CN" sz="1600" dirty="0" smtClean="0">
-                          <a:solidFill>
-                            <a:srgbClr val="991E1B"/>
-                          </a:solidFill>
-                        </a:rPr>
-                        <a:t>per</a:t>
-                      </a:r>
-                      <a:r>
-                        <a:rPr lang="zh-CN" altLang="en-US" sz="1600" baseline="0" dirty="0" smtClean="0">
-                          <a:solidFill>
-                            <a:srgbClr val="991E1B"/>
-                          </a:solidFill>
-                        </a:rPr>
-                        <a:t> </a:t>
-                      </a:r>
-                      <a:r>
-                        <a:rPr lang="en-US" altLang="zh-CN" sz="1600" baseline="0" dirty="0" smtClean="0">
-                          <a:solidFill>
-                            <a:srgbClr val="991E1B"/>
-                          </a:solidFill>
-                        </a:rPr>
-                        <a:t>user</a:t>
-                      </a:r>
-                      <a:r>
-                        <a:rPr lang="zh-CN" altLang="en-US" sz="1600" baseline="0" dirty="0" smtClean="0">
-                          <a:solidFill>
-                            <a:srgbClr val="991E1B"/>
-                          </a:solidFill>
-                        </a:rPr>
-                        <a:t> </a:t>
-                      </a:r>
-                      <a:r>
-                        <a:rPr lang="en-US" altLang="zh-CN" sz="1600" baseline="0" dirty="0" smtClean="0">
-                          <a:solidFill>
-                            <a:srgbClr val="991E1B"/>
-                          </a:solidFill>
-                        </a:rPr>
-                        <a:t>(roughly</a:t>
-                      </a:r>
-                      <a:r>
-                        <a:rPr lang="zh-CN" altLang="en-US" sz="1600" baseline="0" dirty="0" smtClean="0">
-                          <a:solidFill>
-                            <a:srgbClr val="991E1B"/>
-                          </a:solidFill>
-                        </a:rPr>
-                        <a:t> </a:t>
-                      </a:r>
-                      <a:r>
-                        <a:rPr lang="en-US" altLang="zh-CN" sz="1600" baseline="0" dirty="0" smtClean="0">
-                          <a:solidFill>
-                            <a:srgbClr val="991E1B"/>
-                          </a:solidFill>
-                        </a:rPr>
-                        <a:t>10</a:t>
-                      </a:r>
-                      <a:r>
-                        <a:rPr lang="zh-CN" altLang="en-US" sz="1600" baseline="0" dirty="0" smtClean="0">
-                          <a:solidFill>
-                            <a:srgbClr val="991E1B"/>
-                          </a:solidFill>
-                        </a:rPr>
-                        <a:t> </a:t>
-                      </a:r>
-                      <a:r>
-                        <a:rPr lang="en-US" altLang="zh-CN" sz="1600" baseline="0" dirty="0" smtClean="0">
-                          <a:solidFill>
-                            <a:srgbClr val="991E1B"/>
-                          </a:solidFill>
-                        </a:rPr>
-                        <a:t>at</a:t>
-                      </a:r>
-                      <a:r>
-                        <a:rPr lang="zh-CN" altLang="en-US" sz="1600" baseline="0" dirty="0" smtClean="0">
-                          <a:solidFill>
-                            <a:srgbClr val="991E1B"/>
-                          </a:solidFill>
-                        </a:rPr>
-                        <a:t> </a:t>
-                      </a:r>
-                      <a:r>
-                        <a:rPr lang="en-US" altLang="zh-CN" sz="1600" baseline="0" dirty="0" smtClean="0">
-                          <a:solidFill>
-                            <a:srgbClr val="991E1B"/>
-                          </a:solidFill>
-                        </a:rPr>
-                        <a:t>a</a:t>
-                      </a:r>
-                      <a:r>
-                        <a:rPr lang="zh-CN" altLang="en-US" sz="1600" baseline="0" dirty="0" smtClean="0">
-                          <a:solidFill>
-                            <a:srgbClr val="991E1B"/>
-                          </a:solidFill>
-                        </a:rPr>
-                        <a:t> </a:t>
-                      </a:r>
-                      <a:r>
-                        <a:rPr lang="en-US" altLang="zh-CN" sz="1600" baseline="0" dirty="0" smtClean="0">
-                          <a:solidFill>
-                            <a:srgbClr val="991E1B"/>
-                          </a:solidFill>
-                        </a:rPr>
-                        <a:t>time)</a:t>
-                      </a:r>
-                      <a:endParaRPr lang="en-US" sz="1600" dirty="0">
-                        <a:solidFill>
-                          <a:srgbClr val="991E1B"/>
-                        </a:solidFill>
-                      </a:endParaRPr>
-                    </a:p>
-                  </a:txBody>
-                  <a:tcPr/>
-                </a:tc>
-              </a:tr>
-              <a:tr h="685800">
-                <a:tc>
-                  <a:txBody>
-                    <a:bodyPr/>
-                    <a:lstStyle/>
-                    <a:p>
-                      <a:pPr algn="l"/>
-                      <a:r>
-                        <a:rPr lang="en-US" altLang="zh-CN" sz="1800" dirty="0" smtClean="0"/>
-                        <a:t>Operating</a:t>
-                      </a:r>
-                      <a:r>
-                        <a:rPr lang="zh-CN" altLang="en-US" sz="1800" dirty="0" smtClean="0"/>
-                        <a:t> </a:t>
-                      </a:r>
-                      <a:r>
-                        <a:rPr lang="en-US" altLang="zh-CN" sz="1800" dirty="0" smtClean="0"/>
-                        <a:t>system</a:t>
-                      </a:r>
-                      <a:endParaRPr lang="en-US" sz="1800" b="1" dirty="0"/>
-                    </a:p>
-                  </a:txBody>
-                  <a:tcPr/>
-                </a:tc>
-                <a:tc>
-                  <a:txBody>
-                    <a:bodyPr/>
-                    <a:lstStyle/>
-                    <a:p>
-                      <a:r>
-                        <a:rPr lang="en-US" altLang="zh-CN" sz="1600" smtClean="0"/>
-                        <a:t>Linux</a:t>
-                      </a:r>
-                      <a:r>
-                        <a:rPr lang="zh-CN" altLang="en-US" sz="1600" smtClean="0"/>
-                        <a:t> </a:t>
-                      </a:r>
-                      <a:r>
-                        <a:rPr lang="en-US" altLang="zh-CN" sz="1600" smtClean="0"/>
-                        <a:t>64-bit</a:t>
-                      </a:r>
-                      <a:r>
-                        <a:rPr lang="zh-CN" altLang="en-US" sz="1600" smtClean="0"/>
-                        <a:t> </a:t>
-                      </a:r>
-                      <a:r>
-                        <a:rPr lang="en-US" altLang="zh-CN" sz="1600" smtClean="0"/>
-                        <a:t>(Redhat</a:t>
-                      </a:r>
-                      <a:r>
-                        <a:rPr lang="zh-CN" altLang="en-US" sz="1600" smtClean="0"/>
-                        <a:t> </a:t>
-                      </a:r>
-                      <a:r>
-                        <a:rPr lang="en-US" altLang="zh-CN" sz="1600" smtClean="0"/>
-                        <a:t>or</a:t>
-                      </a:r>
-                      <a:r>
-                        <a:rPr lang="zh-CN" altLang="en-US" sz="1600" smtClean="0"/>
-                        <a:t> </a:t>
-                      </a:r>
-                      <a:r>
-                        <a:rPr lang="en-US" altLang="zh-CN" sz="1600" smtClean="0"/>
-                        <a:t>minimal</a:t>
-                      </a:r>
-                      <a:r>
-                        <a:rPr lang="zh-CN" altLang="en-US" sz="1600" smtClean="0"/>
-                        <a:t> </a:t>
-                      </a:r>
-                      <a:r>
-                        <a:rPr lang="en-US" altLang="zh-CN" sz="1600" smtClean="0"/>
-                        <a:t>install</a:t>
-                      </a:r>
-                      <a:r>
-                        <a:rPr lang="zh-CN" altLang="en-US" sz="1600" smtClean="0"/>
-                        <a:t> </a:t>
-                      </a:r>
-                      <a:r>
-                        <a:rPr lang="en-US" altLang="zh-CN" sz="1600" smtClean="0"/>
-                        <a:t>CentOS</a:t>
-                      </a:r>
-                      <a:r>
-                        <a:rPr lang="zh-CN" altLang="en-US" sz="1600" smtClean="0"/>
-                        <a:t> </a:t>
-                      </a:r>
-                      <a:r>
-                        <a:rPr lang="en-US" altLang="zh-CN" sz="1600" smtClean="0"/>
-                        <a:t>7)</a:t>
-                      </a:r>
-                      <a:endParaRPr lang="en-US" sz="1600" dirty="0"/>
-                    </a:p>
-                  </a:txBody>
-                  <a:tcPr/>
-                </a:tc>
-                <a:tc>
-                  <a:txBody>
-                    <a:bodyPr/>
-                    <a:lstStyle/>
-                    <a:p>
-                      <a:r>
-                        <a:rPr lang="en-US" altLang="zh-CN" sz="1600" dirty="0" smtClean="0"/>
-                        <a:t>Linux</a:t>
-                      </a:r>
-                      <a:r>
-                        <a:rPr lang="zh-CN" altLang="en-US" sz="1600" dirty="0" smtClean="0"/>
-                        <a:t> </a:t>
-                      </a:r>
-                      <a:r>
-                        <a:rPr lang="en-US" altLang="zh-CN" sz="1600" dirty="0" smtClean="0"/>
-                        <a:t>64-bit</a:t>
-                      </a:r>
-                      <a:r>
-                        <a:rPr lang="zh-CN" altLang="en-US" sz="1600" dirty="0" smtClean="0"/>
-                        <a:t> </a:t>
-                      </a:r>
-                      <a:r>
-                        <a:rPr lang="en-US" altLang="zh-CN" sz="1600" dirty="0" smtClean="0"/>
-                        <a:t>(</a:t>
-                      </a:r>
-                      <a:r>
-                        <a:rPr lang="en-US" altLang="zh-CN" sz="1600" dirty="0" err="1" smtClean="0"/>
-                        <a:t>Redhat</a:t>
-                      </a:r>
-                      <a:r>
-                        <a:rPr lang="zh-CN" altLang="en-US" sz="1600" dirty="0" smtClean="0"/>
-                        <a:t> </a:t>
-                      </a:r>
-                      <a:r>
-                        <a:rPr lang="en-US" altLang="zh-CN" sz="1600" dirty="0" smtClean="0"/>
-                        <a:t>or</a:t>
-                      </a:r>
-                      <a:r>
-                        <a:rPr lang="zh-CN" altLang="en-US" sz="1600" dirty="0" smtClean="0"/>
-                        <a:t> </a:t>
-                      </a:r>
-                      <a:r>
-                        <a:rPr lang="en-US" altLang="zh-CN" sz="1600" dirty="0" smtClean="0"/>
-                        <a:t>minimal</a:t>
-                      </a:r>
-                      <a:r>
-                        <a:rPr lang="zh-CN" altLang="en-US" sz="1600" dirty="0" smtClean="0"/>
-                        <a:t> </a:t>
-                      </a:r>
-                      <a:r>
-                        <a:rPr lang="en-US" altLang="zh-CN" sz="1600" dirty="0" smtClean="0"/>
-                        <a:t>install</a:t>
-                      </a:r>
-                      <a:r>
-                        <a:rPr lang="zh-CN" altLang="en-US" sz="1600" dirty="0" smtClean="0"/>
-                        <a:t> </a:t>
-                      </a:r>
-                      <a:r>
-                        <a:rPr lang="en-US" altLang="zh-CN" sz="1600" dirty="0" smtClean="0"/>
-                        <a:t>CentOS</a:t>
-                      </a:r>
-                      <a:r>
-                        <a:rPr lang="zh-CN" altLang="en-US" sz="1600" dirty="0" smtClean="0"/>
-                        <a:t> </a:t>
-                      </a:r>
-                      <a:r>
-                        <a:rPr lang="en-US" altLang="zh-CN" sz="1600" dirty="0" smtClean="0"/>
-                        <a:t>7)</a:t>
-                      </a:r>
-                      <a:endParaRPr lang="en-US" sz="1600" dirty="0"/>
-                    </a:p>
-                  </a:txBody>
-                  <a:tcPr/>
-                </a:tc>
-              </a:tr>
-              <a:tr h="685800">
-                <a:tc>
-                  <a:txBody>
-                    <a:bodyPr/>
-                    <a:lstStyle/>
-                    <a:p>
-                      <a:pPr algn="l"/>
-                      <a:r>
-                        <a:rPr lang="en-US" altLang="zh-CN" sz="1800" b="0" dirty="0" smtClean="0"/>
-                        <a:t>Path</a:t>
-                      </a:r>
-                      <a:r>
-                        <a:rPr lang="zh-CN" altLang="en-US" sz="1800" b="0" dirty="0" smtClean="0"/>
-                        <a:t> </a:t>
-                      </a:r>
-                      <a:r>
-                        <a:rPr lang="en-US" altLang="zh-CN" sz="1800" b="0" dirty="0" smtClean="0"/>
-                        <a:t>to</a:t>
-                      </a:r>
-                      <a:r>
-                        <a:rPr lang="zh-CN" altLang="en-US" sz="1800" b="0" dirty="0" smtClean="0"/>
-                        <a:t> </a:t>
-                      </a:r>
-                      <a:r>
-                        <a:rPr lang="en-US" altLang="zh-CN" sz="1800" b="0" dirty="0" smtClean="0"/>
-                        <a:t>existing</a:t>
-                      </a:r>
-                      <a:r>
-                        <a:rPr lang="zh-CN" altLang="en-US" sz="1800" b="0" baseline="0" dirty="0" smtClean="0"/>
-                        <a:t> </a:t>
-                      </a:r>
-                      <a:r>
-                        <a:rPr lang="en-US" altLang="zh-CN" sz="1800" b="0" baseline="0" dirty="0" smtClean="0"/>
-                        <a:t>server/model</a:t>
-                      </a:r>
-                      <a:endParaRPr lang="en-US" sz="1800" b="0" dirty="0"/>
-                    </a:p>
-                  </a:txBody>
-                  <a:tcPr/>
-                </a:tc>
-                <a:tc>
-                  <a:txBody>
-                    <a:bodyPr/>
-                    <a:lstStyle/>
-                    <a:p>
-                      <a:r>
-                        <a:rPr lang="en-US" altLang="zh-CN" sz="1600" dirty="0" smtClean="0"/>
-                        <a:t>SFTP</a:t>
-                      </a:r>
-                      <a:r>
-                        <a:rPr lang="zh-CN" altLang="en-US" sz="1600" dirty="0" smtClean="0"/>
-                        <a:t> </a:t>
-                      </a:r>
-                      <a:r>
-                        <a:rPr lang="en-US" altLang="zh-CN" sz="1600" dirty="0" smtClean="0"/>
-                        <a:t>tunnel</a:t>
-                      </a:r>
-                      <a:endParaRPr lang="en-US" sz="1600" dirty="0"/>
-                    </a:p>
-                  </a:txBody>
-                  <a:tcPr/>
-                </a:tc>
-                <a:tc>
-                  <a:txBody>
-                    <a:bodyPr/>
-                    <a:lstStyle/>
-                    <a:p>
-                      <a:r>
-                        <a:rPr lang="en-US" altLang="zh-CN" sz="1600" dirty="0" smtClean="0"/>
-                        <a:t>SFTP</a:t>
-                      </a:r>
-                      <a:r>
-                        <a:rPr lang="zh-CN" altLang="en-US" sz="1600" dirty="0" smtClean="0"/>
-                        <a:t> </a:t>
-                      </a:r>
-                      <a:r>
-                        <a:rPr lang="en-US" altLang="zh-CN" sz="1600" dirty="0" smtClean="0"/>
-                        <a:t>tunnel</a:t>
-                      </a:r>
-                      <a:endParaRPr lang="en-US" sz="1600" dirty="0" smtClean="0"/>
-                    </a:p>
-                    <a:p>
-                      <a:endParaRPr lang="en-US" sz="1600" dirty="0"/>
-                    </a:p>
-                  </a:txBody>
-                  <a:tcPr/>
-                </a:tc>
-              </a:tr>
-              <a:tr h="685800">
-                <a:tc>
-                  <a:txBody>
-                    <a:bodyPr/>
-                    <a:lstStyle/>
-                    <a:p>
-                      <a:pPr algn="l"/>
-                      <a:r>
-                        <a:rPr lang="en-US" altLang="zh-CN" sz="1800" b="0" dirty="0" smtClean="0"/>
-                        <a:t>Data</a:t>
-                      </a:r>
-                      <a:r>
-                        <a:rPr lang="zh-CN" altLang="en-US" sz="1800" b="0" dirty="0" smtClean="0"/>
-                        <a:t> </a:t>
-                      </a:r>
-                      <a:r>
-                        <a:rPr lang="en-US" altLang="zh-CN" sz="1800" b="0" dirty="0" smtClean="0"/>
-                        <a:t>access</a:t>
-                      </a:r>
-                      <a:endParaRPr lang="en-US" sz="1800" b="0" dirty="0"/>
-                    </a:p>
-                  </a:txBody>
-                  <a:tcPr/>
-                </a:tc>
-                <a:tc>
-                  <a:txBody>
-                    <a:bodyPr/>
-                    <a:lstStyle/>
-                    <a:p>
-                      <a:r>
-                        <a:rPr lang="en-US" altLang="zh-CN" sz="1600" dirty="0" smtClean="0"/>
-                        <a:t>Explorys,</a:t>
-                      </a:r>
-                      <a:r>
-                        <a:rPr lang="zh-CN" altLang="en-US" sz="1600" dirty="0" smtClean="0"/>
-                        <a:t> </a:t>
-                      </a:r>
-                      <a:r>
-                        <a:rPr lang="en-US" altLang="zh-CN" sz="1600" dirty="0" smtClean="0"/>
-                        <a:t>MarketScan,</a:t>
-                      </a:r>
-                      <a:r>
-                        <a:rPr lang="zh-CN" altLang="en-US" sz="1600" baseline="0" dirty="0" smtClean="0"/>
-                        <a:t> </a:t>
-                      </a:r>
-                      <a:r>
-                        <a:rPr lang="en-US" altLang="zh-CN" sz="1600" baseline="0" dirty="0" smtClean="0"/>
-                        <a:t>SAF,</a:t>
-                      </a:r>
-                      <a:r>
-                        <a:rPr lang="zh-CN" altLang="en-US" sz="1600" baseline="0" dirty="0" smtClean="0"/>
-                        <a:t> </a:t>
-                      </a:r>
-                      <a:r>
-                        <a:rPr lang="en-US" altLang="zh-CN" sz="1600" baseline="0" dirty="0" err="1" smtClean="0"/>
-                        <a:t>Huntmore</a:t>
-                      </a:r>
-                      <a:r>
-                        <a:rPr lang="en-US" altLang="zh-CN" sz="1600" baseline="0" dirty="0" smtClean="0"/>
-                        <a:t>(CED),</a:t>
-                      </a:r>
-                      <a:r>
-                        <a:rPr lang="zh-CN" altLang="en-US" sz="1600" baseline="0" dirty="0" smtClean="0"/>
-                        <a:t> </a:t>
-                      </a:r>
-                      <a:r>
-                        <a:rPr lang="en-US" altLang="zh-CN" sz="1600" baseline="0" dirty="0" smtClean="0"/>
-                        <a:t>PIDB,</a:t>
-                      </a:r>
-                      <a:r>
-                        <a:rPr lang="zh-CN" altLang="en-US" sz="1600" baseline="0" dirty="0" smtClean="0"/>
-                        <a:t> </a:t>
-                      </a:r>
-                      <a:r>
-                        <a:rPr lang="en-US" altLang="zh-CN" sz="1600" baseline="0" dirty="0" smtClean="0"/>
-                        <a:t>reference</a:t>
-                      </a:r>
-                      <a:r>
-                        <a:rPr lang="zh-CN" altLang="en-US" sz="1600" baseline="0" dirty="0" smtClean="0"/>
-                        <a:t> </a:t>
-                      </a:r>
-                      <a:r>
-                        <a:rPr lang="en-US" altLang="zh-CN" sz="1600" baseline="0" dirty="0" smtClean="0"/>
-                        <a:t>data</a:t>
-                      </a:r>
-                      <a:endParaRPr lang="en-US" sz="1600" dirty="0"/>
-                    </a:p>
-                  </a:txBody>
-                  <a:tcPr/>
-                </a:tc>
-                <a:tc>
-                  <a:txBody>
-                    <a:bodyPr/>
-                    <a:lstStyle/>
-                    <a:p>
-                      <a:r>
-                        <a:rPr lang="en-US" altLang="zh-CN" sz="1600" dirty="0" smtClean="0"/>
-                        <a:t>Explorys,</a:t>
-                      </a:r>
-                      <a:r>
-                        <a:rPr lang="zh-CN" altLang="en-US" sz="1600" dirty="0" smtClean="0"/>
-                        <a:t> </a:t>
-                      </a:r>
-                      <a:r>
-                        <a:rPr lang="en-US" altLang="zh-CN" sz="1600" dirty="0" smtClean="0"/>
-                        <a:t>MarketScan,</a:t>
-                      </a:r>
-                      <a:r>
-                        <a:rPr lang="zh-CN" altLang="en-US" sz="1600" baseline="0" dirty="0" smtClean="0"/>
-                        <a:t> </a:t>
-                      </a:r>
-                      <a:r>
-                        <a:rPr lang="en-US" altLang="zh-CN" sz="1600" baseline="0" dirty="0" smtClean="0"/>
-                        <a:t>SAF,</a:t>
-                      </a:r>
-                      <a:r>
-                        <a:rPr lang="zh-CN" altLang="en-US" sz="1600" baseline="0" dirty="0" smtClean="0"/>
-                        <a:t> </a:t>
-                      </a:r>
-                      <a:r>
-                        <a:rPr lang="en-US" altLang="zh-CN" sz="1600" baseline="0" dirty="0" err="1" smtClean="0"/>
-                        <a:t>Huntmore</a:t>
-                      </a:r>
-                      <a:r>
-                        <a:rPr lang="en-US" altLang="zh-CN" sz="1600" baseline="0" dirty="0" smtClean="0"/>
-                        <a:t>(CED),</a:t>
-                      </a:r>
-                      <a:r>
-                        <a:rPr lang="zh-CN" altLang="en-US" sz="1600" baseline="0" dirty="0" smtClean="0"/>
-                        <a:t> </a:t>
-                      </a:r>
-                      <a:r>
-                        <a:rPr lang="en-US" altLang="zh-CN" sz="1600" baseline="0" dirty="0" smtClean="0"/>
-                        <a:t>PIDB,</a:t>
-                      </a:r>
-                      <a:r>
-                        <a:rPr lang="zh-CN" altLang="en-US" sz="1600" baseline="0" dirty="0" smtClean="0"/>
-                        <a:t> </a:t>
-                      </a:r>
-                      <a:r>
-                        <a:rPr lang="en-US" altLang="zh-CN" sz="1600" baseline="0" dirty="0" smtClean="0"/>
-                        <a:t>reference</a:t>
-                      </a:r>
-                      <a:r>
-                        <a:rPr lang="zh-CN" altLang="en-US" sz="1600" baseline="0" dirty="0" smtClean="0"/>
-                        <a:t> </a:t>
-                      </a:r>
-                      <a:r>
-                        <a:rPr lang="en-US" altLang="zh-CN" sz="1600" baseline="0" dirty="0" smtClean="0"/>
-                        <a:t>data</a:t>
-                      </a:r>
-                      <a:endParaRPr lang="en-US" sz="1600" dirty="0"/>
-                    </a:p>
-                  </a:txBody>
-                  <a:tcPr/>
-                </a:tc>
-              </a:tr>
-            </a:tbl>
-          </a:graphicData>
-        </a:graphic>
-      </p:graphicFrame>
+        </p:nvSpPr>
+        <p:spPr/>
+        <p:txBody>
+          <a:bodyPr/>
+          <a:lstStyle/>
+          <a:p>
+            <a:r>
+              <a:rPr lang="en-US" dirty="0" smtClean="0"/>
+              <a:t>The </a:t>
+            </a:r>
+            <a:r>
+              <a:rPr lang="en-US" dirty="0"/>
+              <a:t>Security Rule requires covered entities to maintain reasonable and appropriate administrative, technical, and physical safeguards for protecting </a:t>
+            </a:r>
+            <a:r>
+              <a:rPr lang="en-US" dirty="0" smtClean="0"/>
+              <a:t>e-PHI.</a:t>
+            </a:r>
+            <a:r>
+              <a:rPr lang="zh-CN" altLang="en-US" dirty="0" smtClean="0"/>
+              <a:t> </a:t>
+            </a:r>
+            <a:r>
+              <a:rPr lang="en-US" dirty="0" smtClean="0"/>
+              <a:t>Specifically</a:t>
+            </a:r>
+            <a:r>
+              <a:rPr lang="en-US" altLang="zh-CN" dirty="0"/>
+              <a:t>,</a:t>
+            </a:r>
+            <a:r>
+              <a:rPr lang="en-US" dirty="0" smtClean="0"/>
+              <a:t> </a:t>
+            </a:r>
+            <a:r>
+              <a:rPr lang="en-US" dirty="0"/>
+              <a:t>covered entities must:</a:t>
+            </a:r>
+          </a:p>
+          <a:p>
+            <a:pPr lvl="1"/>
+            <a:r>
+              <a:rPr lang="en-US" dirty="0"/>
+              <a:t>Ensure the confidentiality, integrity, and availability of all e-PHI they create, receive, maintain or transmit;</a:t>
+            </a:r>
+          </a:p>
+          <a:p>
+            <a:pPr lvl="1"/>
+            <a:r>
+              <a:rPr lang="en-US" dirty="0"/>
+              <a:t>Identify and protect against reasonably anticipated threats to the security or integrity of the information;</a:t>
+            </a:r>
+          </a:p>
+          <a:p>
+            <a:pPr lvl="1"/>
+            <a:r>
+              <a:rPr lang="en-US" dirty="0"/>
+              <a:t>Protect against reasonably anticipated, impermissible uses or disclosures; and</a:t>
+            </a:r>
+          </a:p>
+          <a:p>
+            <a:pPr lvl="1"/>
+            <a:r>
+              <a:rPr lang="en-US" dirty="0"/>
+              <a:t>Ensure compliance by their </a:t>
+            </a:r>
+            <a:r>
+              <a:rPr lang="en-US" dirty="0" smtClean="0"/>
+              <a:t>workforce</a:t>
+            </a:r>
+            <a:r>
+              <a:rPr lang="en-US" altLang="zh-CN" dirty="0"/>
+              <a:t>.</a:t>
+            </a:r>
+            <a:endParaRPr lang="en-US" dirty="0"/>
+          </a:p>
+        </p:txBody>
+      </p:sp>
     </p:spTree>
     <p:extLst>
       <p:ext uri="{BB962C8B-B14F-4D97-AF65-F5344CB8AC3E}">
-        <p14:creationId xmlns:p14="http://schemas.microsoft.com/office/powerpoint/2010/main" val="468233468"/>
+        <p14:creationId xmlns:p14="http://schemas.microsoft.com/office/powerpoint/2010/main" val="231035318"/>
       </p:ext>
     </p:extLst>
   </p:cSld>
@@ -9029,6 +8643,1276 @@
           <a:p>
             <a:r>
               <a:rPr lang="en-US" altLang="zh-CN" dirty="0" smtClean="0"/>
+              <a:t>What</a:t>
+            </a:r>
+            <a:r>
+              <a:rPr lang="zh-CN" altLang="en-US" dirty="0" smtClean="0"/>
+              <a:t> </a:t>
+            </a:r>
+            <a:r>
+              <a:rPr lang="en-US" altLang="zh-CN" dirty="0" smtClean="0"/>
+              <a:t>is</a:t>
+            </a:r>
+            <a:r>
+              <a:rPr lang="zh-CN" altLang="en-US" dirty="0" smtClean="0"/>
+              <a:t> </a:t>
+            </a:r>
+            <a:r>
+              <a:rPr lang="en-US" altLang="zh-CN" dirty="0" smtClean="0"/>
+              <a:t>Docker?</a:t>
+            </a:r>
+            <a:endParaRPr lang="en-US" dirty="0"/>
+          </a:p>
+        </p:txBody>
+      </p:sp>
+      <p:sp>
+        <p:nvSpPr>
+          <p:cNvPr id="3" name="Content Placeholder 2"/>
+          <p:cNvSpPr>
+            <a:spLocks noGrp="1"/>
+          </p:cNvSpPr>
+          <p:nvPr>
+            <p:ph idx="12"/>
+          </p:nvPr>
+        </p:nvSpPr>
+        <p:spPr/>
+        <p:txBody>
+          <a:bodyPr/>
+          <a:lstStyle/>
+          <a:p>
+            <a:r>
+              <a:rPr lang="en-US" altLang="zh-CN" dirty="0" smtClean="0"/>
+              <a:t>Docker</a:t>
+            </a:r>
+            <a:r>
+              <a:rPr lang="zh-CN" altLang="en-US" dirty="0" smtClean="0"/>
+              <a:t> </a:t>
+            </a:r>
+            <a:r>
+              <a:rPr lang="en-US" altLang="zh-CN" dirty="0" smtClean="0"/>
+              <a:t>is</a:t>
+            </a:r>
+            <a:r>
+              <a:rPr lang="zh-CN" altLang="en-US" dirty="0" smtClean="0"/>
+              <a:t> </a:t>
+            </a:r>
+            <a:r>
+              <a:rPr lang="en-US" altLang="zh-CN" dirty="0" smtClean="0"/>
+              <a:t>an</a:t>
+            </a:r>
+            <a:r>
+              <a:rPr lang="zh-CN" altLang="en-US" dirty="0" smtClean="0"/>
+              <a:t> </a:t>
+            </a:r>
+            <a:r>
+              <a:rPr lang="en-US" altLang="zh-CN" dirty="0" smtClean="0"/>
+              <a:t>realization</a:t>
+            </a:r>
+            <a:r>
+              <a:rPr lang="zh-CN" altLang="en-US" dirty="0" smtClean="0"/>
+              <a:t> </a:t>
+            </a:r>
+            <a:r>
+              <a:rPr lang="en-US" altLang="zh-CN" dirty="0" smtClean="0"/>
+              <a:t>of</a:t>
+            </a:r>
+            <a:r>
+              <a:rPr lang="zh-CN" altLang="en-US" dirty="0" smtClean="0"/>
+              <a:t> </a:t>
+            </a:r>
+            <a:r>
+              <a:rPr lang="en-US" altLang="zh-CN" dirty="0" smtClean="0"/>
+              <a:t>container</a:t>
+            </a:r>
+            <a:r>
+              <a:rPr lang="zh-CN" altLang="en-US" dirty="0" smtClean="0"/>
+              <a:t> </a:t>
+            </a:r>
+            <a:r>
+              <a:rPr lang="en-US" altLang="zh-CN" dirty="0" smtClean="0"/>
+              <a:t>technology.</a:t>
+            </a:r>
+            <a:r>
+              <a:rPr lang="zh-CN" altLang="en-US" dirty="0" smtClean="0"/>
+              <a:t> </a:t>
+            </a:r>
+            <a:r>
+              <a:rPr lang="en-US" dirty="0" smtClean="0"/>
+              <a:t>A </a:t>
+            </a:r>
+            <a:r>
+              <a:rPr lang="en-US" dirty="0"/>
+              <a:t>container image is a lightweight, stand-alone, executable package of a piece of software that includes everything needed to run it: code, runtime, system tools, system libraries, settings. </a:t>
+            </a:r>
+          </a:p>
+        </p:txBody>
+      </p:sp>
+      <p:pic>
+        <p:nvPicPr>
+          <p:cNvPr id="4" name="Picture 3"/>
+          <p:cNvPicPr>
+            <a:picLocks noChangeAspect="1"/>
+          </p:cNvPicPr>
+          <p:nvPr/>
+        </p:nvPicPr>
+        <p:blipFill>
+          <a:blip r:embed="rId2">
+            <a:extLst>
+              <a:ext uri="{28A0092B-C50C-407E-A947-70E740481C1C}">
+                <a14:useLocalDpi xmlns:a14="http://schemas.microsoft.com/office/drawing/2010/main" val="0"/>
+              </a:ext>
+            </a:extLst>
+          </a:blip>
+          <a:stretch>
+            <a:fillRect/>
+          </a:stretch>
+        </p:blipFill>
+        <p:spPr>
+          <a:xfrm>
+            <a:off x="5981700" y="3900853"/>
+            <a:ext cx="5600700" cy="2675890"/>
+          </a:xfrm>
+          <a:prstGeom prst="rect">
+            <a:avLst/>
+          </a:prstGeom>
+        </p:spPr>
+      </p:pic>
+    </p:spTree>
+    <p:extLst>
+      <p:ext uri="{BB962C8B-B14F-4D97-AF65-F5344CB8AC3E}">
+        <p14:creationId xmlns:p14="http://schemas.microsoft.com/office/powerpoint/2010/main" val="1398012406"/>
+      </p:ext>
+    </p:extLst>
+  </p:cSld>
+  <p:clrMapOvr>
+    <a:masterClrMapping/>
+  </p:clrMapOvr>
+  <p:transition spd="slow"/>
+</p:sld>
+</file>
+
+<file path=ppt/slides/slide7.xml><?xml version="1.0" encoding="utf-8"?>
+<p:sld xmlns:a="http://schemas.openxmlformats.org/drawingml/2006/main" xmlns:r="http://schemas.openxmlformats.org/officeDocument/2006/relationships" xmlns:p="http://schemas.openxmlformats.org/presentationml/2006/main">
+  <p:cSld>
+    <p:spTree>
+      <p:nvGrpSpPr>
+        <p:cNvPr id="1" name=""/>
+        <p:cNvGrpSpPr/>
+        <p:nvPr/>
+      </p:nvGrpSpPr>
+      <p:grpSpPr>
+        <a:xfrm>
+          <a:off x="0" y="0"/>
+          <a:ext cx="0" cy="0"/>
+          <a:chOff x="0" y="0"/>
+          <a:chExt cx="0" cy="0"/>
+        </a:xfrm>
+      </p:grpSpPr>
+      <p:sp>
+        <p:nvSpPr>
+          <p:cNvPr id="2" name="Title 1"/>
+          <p:cNvSpPr>
+            <a:spLocks noGrp="1"/>
+          </p:cNvSpPr>
+          <p:nvPr>
+            <p:ph type="title"/>
+          </p:nvPr>
+        </p:nvSpPr>
+        <p:spPr/>
+        <p:txBody>
+          <a:bodyPr/>
+          <a:lstStyle/>
+          <a:p>
+            <a:r>
+              <a:rPr lang="en-US" altLang="zh-CN" dirty="0" smtClean="0"/>
+              <a:t>Benefit</a:t>
+            </a:r>
+            <a:r>
+              <a:rPr lang="zh-CN" altLang="en-US" dirty="0" smtClean="0"/>
+              <a:t> </a:t>
+            </a:r>
+            <a:r>
+              <a:rPr lang="en-US" altLang="zh-CN" dirty="0" smtClean="0"/>
+              <a:t>of</a:t>
+            </a:r>
+            <a:r>
+              <a:rPr lang="zh-CN" altLang="en-US" dirty="0" smtClean="0"/>
+              <a:t> </a:t>
+            </a:r>
+            <a:r>
+              <a:rPr lang="en-US" altLang="zh-CN" dirty="0" smtClean="0"/>
+              <a:t>Docker</a:t>
+            </a:r>
+            <a:endParaRPr lang="en-US" dirty="0"/>
+          </a:p>
+        </p:txBody>
+      </p:sp>
+      <p:sp>
+        <p:nvSpPr>
+          <p:cNvPr id="3" name="Content Placeholder 2"/>
+          <p:cNvSpPr>
+            <a:spLocks noGrp="1"/>
+          </p:cNvSpPr>
+          <p:nvPr>
+            <p:ph idx="12"/>
+          </p:nvPr>
+        </p:nvSpPr>
+        <p:spPr/>
+        <p:txBody>
+          <a:bodyPr/>
+          <a:lstStyle/>
+          <a:p>
+            <a:r>
+              <a:rPr lang="en-US" altLang="zh-CN" dirty="0" smtClean="0"/>
+              <a:t>Standardization</a:t>
+            </a:r>
+          </a:p>
+          <a:p>
+            <a:pPr lvl="1"/>
+            <a:r>
+              <a:rPr lang="en-US" dirty="0"/>
+              <a:t>Rather than building a new environment for every analysis, </a:t>
+            </a:r>
+            <a:r>
+              <a:rPr lang="en-US" altLang="zh-CN" dirty="0" smtClean="0"/>
+              <a:t>you</a:t>
+            </a:r>
+            <a:r>
+              <a:rPr lang="zh-CN" altLang="en-US" dirty="0" smtClean="0"/>
+              <a:t> </a:t>
+            </a:r>
+            <a:r>
+              <a:rPr lang="en-US" dirty="0" smtClean="0"/>
+              <a:t>can </a:t>
+            </a:r>
+            <a:r>
+              <a:rPr lang="en-US" dirty="0"/>
+              <a:t>put the tools and packages required for certain types of analyses (e.g., </a:t>
+            </a:r>
+            <a:r>
+              <a:rPr lang="en-US" dirty="0" err="1"/>
+              <a:t>scikit</a:t>
+            </a:r>
+            <a:r>
+              <a:rPr lang="en-US" dirty="0"/>
+              <a:t>-learn, </a:t>
+            </a:r>
+            <a:r>
+              <a:rPr lang="en-US" dirty="0" err="1"/>
+              <a:t>TensorFlow</a:t>
+            </a:r>
+            <a:r>
+              <a:rPr lang="en-US" dirty="0"/>
+              <a:t>, </a:t>
+            </a:r>
+            <a:r>
+              <a:rPr lang="en-US" dirty="0" err="1"/>
+              <a:t>Jupyter</a:t>
+            </a:r>
+            <a:r>
+              <a:rPr lang="en-US" dirty="0"/>
+              <a:t>, etc.) into a container, create an image of that container, and have every user boot up an isolated, standardized environment from that image.</a:t>
+            </a:r>
+            <a:endParaRPr lang="en-US" altLang="zh-CN" dirty="0" smtClean="0"/>
+          </a:p>
+          <a:p>
+            <a:pPr lvl="1"/>
+            <a:endParaRPr lang="en-US" dirty="0"/>
+          </a:p>
+          <a:p>
+            <a:r>
+              <a:rPr lang="en-US" altLang="zh-CN" dirty="0" smtClean="0"/>
+              <a:t>Reproducibility</a:t>
+            </a:r>
+            <a:r>
+              <a:rPr lang="zh-CN" altLang="en-US" dirty="0" smtClean="0"/>
+              <a:t> </a:t>
+            </a:r>
+            <a:endParaRPr lang="en-US" altLang="zh-CN" dirty="0" smtClean="0"/>
+          </a:p>
+          <a:p>
+            <a:pPr lvl="1"/>
+            <a:r>
+              <a:rPr lang="en-US" dirty="0"/>
+              <a:t>Docker provides an easy way to share working environments including libraries and drivers. This </a:t>
+            </a:r>
+            <a:r>
+              <a:rPr lang="en-US" altLang="zh-CN" dirty="0"/>
+              <a:t>allows</a:t>
+            </a:r>
+            <a:r>
+              <a:rPr lang="zh-CN" altLang="en-US" dirty="0"/>
+              <a:t> </a:t>
+            </a:r>
+            <a:r>
+              <a:rPr lang="en-US" dirty="0"/>
+              <a:t>reproducible data science workflows.</a:t>
+            </a:r>
+          </a:p>
+          <a:p>
+            <a:pPr lvl="1"/>
+            <a:endParaRPr lang="en-US" dirty="0"/>
+          </a:p>
+        </p:txBody>
+      </p:sp>
+    </p:spTree>
+    <p:extLst>
+      <p:ext uri="{BB962C8B-B14F-4D97-AF65-F5344CB8AC3E}">
+        <p14:creationId xmlns:p14="http://schemas.microsoft.com/office/powerpoint/2010/main" val="1068932571"/>
+      </p:ext>
+    </p:extLst>
+  </p:cSld>
+  <p:clrMapOvr>
+    <a:masterClrMapping/>
+  </p:clrMapOvr>
+  <p:transition spd="slow"/>
+</p:sld>
+</file>
+
+<file path=ppt/slides/slide8.xml><?xml version="1.0" encoding="utf-8"?>
+<p:sld xmlns:a="http://schemas.openxmlformats.org/drawingml/2006/main" xmlns:r="http://schemas.openxmlformats.org/officeDocument/2006/relationships" xmlns:p="http://schemas.openxmlformats.org/presentationml/2006/main">
+  <p:cSld>
+    <p:spTree>
+      <p:nvGrpSpPr>
+        <p:cNvPr id="1" name=""/>
+        <p:cNvGrpSpPr/>
+        <p:nvPr/>
+      </p:nvGrpSpPr>
+      <p:grpSpPr>
+        <a:xfrm>
+          <a:off x="0" y="0"/>
+          <a:ext cx="0" cy="0"/>
+          <a:chOff x="0" y="0"/>
+          <a:chExt cx="0" cy="0"/>
+        </a:xfrm>
+      </p:grpSpPr>
+      <p:sp>
+        <p:nvSpPr>
+          <p:cNvPr id="2" name="Title 1"/>
+          <p:cNvSpPr>
+            <a:spLocks noGrp="1"/>
+          </p:cNvSpPr>
+          <p:nvPr>
+            <p:ph type="title"/>
+          </p:nvPr>
+        </p:nvSpPr>
+        <p:spPr/>
+        <p:txBody>
+          <a:bodyPr/>
+          <a:lstStyle/>
+          <a:p>
+            <a:r>
+              <a:rPr lang="en-US" altLang="zh-CN" dirty="0"/>
+              <a:t>D</a:t>
+            </a:r>
+            <a:r>
+              <a:rPr lang="en-US" altLang="zh-CN" dirty="0" smtClean="0"/>
+              <a:t>evelopment</a:t>
+            </a:r>
+            <a:r>
+              <a:rPr lang="zh-CN" altLang="en-US" dirty="0" smtClean="0"/>
+              <a:t> </a:t>
+            </a:r>
+            <a:r>
+              <a:rPr lang="en-US" altLang="zh-CN" dirty="0" smtClean="0"/>
+              <a:t>vs.</a:t>
+            </a:r>
+            <a:r>
+              <a:rPr lang="zh-CN" altLang="en-US" dirty="0" smtClean="0"/>
+              <a:t> </a:t>
+            </a:r>
+            <a:r>
+              <a:rPr lang="en-US" altLang="zh-CN" dirty="0" smtClean="0"/>
+              <a:t>Sandbox</a:t>
+            </a:r>
+            <a:r>
+              <a:rPr lang="zh-CN" altLang="en-US" dirty="0" smtClean="0"/>
+              <a:t> </a:t>
+            </a:r>
+            <a:r>
+              <a:rPr lang="en-US" altLang="zh-CN" dirty="0" smtClean="0"/>
+              <a:t>server</a:t>
+            </a:r>
+            <a:endParaRPr lang="en-US" dirty="0"/>
+          </a:p>
+        </p:txBody>
+      </p:sp>
+      <p:graphicFrame>
+        <p:nvGraphicFramePr>
+          <p:cNvPr id="4" name="Content Placeholder 3"/>
+          <p:cNvGraphicFramePr>
+            <a:graphicFrameLocks noGrp="1"/>
+          </p:cNvGraphicFramePr>
+          <p:nvPr>
+            <p:ph idx="12"/>
+            <p:extLst>
+              <p:ext uri="{D42A27DB-BD31-4B8C-83A1-F6EECF244321}">
+                <p14:modId xmlns:p14="http://schemas.microsoft.com/office/powerpoint/2010/main" val="2074629090"/>
+              </p:ext>
+            </p:extLst>
+          </p:nvPr>
+        </p:nvGraphicFramePr>
+        <p:xfrm>
+          <a:off x="609600" y="1601789"/>
+          <a:ext cx="10972800" cy="3732211"/>
+        </p:xfrm>
+        <a:graphic>
+          <a:graphicData uri="http://schemas.openxmlformats.org/drawingml/2006/table">
+            <a:tbl>
+              <a:tblPr firstRow="1" bandRow="1">
+                <a:tableStyleId>{FABFCF23-3B69-468F-B69F-88F6DE6A72F2}</a:tableStyleId>
+              </a:tblPr>
+              <a:tblGrid>
+                <a:gridCol w="2349500"/>
+                <a:gridCol w="4330700"/>
+                <a:gridCol w="4292600"/>
+              </a:tblGrid>
+              <a:tr h="379762">
+                <a:tc>
+                  <a:txBody>
+                    <a:bodyPr/>
+                    <a:lstStyle/>
+                    <a:p>
+                      <a:endParaRPr lang="en-US" sz="1600" dirty="0"/>
+                    </a:p>
+                  </a:txBody>
+                  <a:tcPr/>
+                </a:tc>
+                <a:tc>
+                  <a:txBody>
+                    <a:bodyPr/>
+                    <a:lstStyle/>
+                    <a:p>
+                      <a:pPr algn="l"/>
+                      <a:r>
+                        <a:rPr lang="en-US" altLang="zh-CN" sz="2000" dirty="0" smtClean="0">
+                          <a:solidFill>
+                            <a:schemeClr val="tx2"/>
+                          </a:solidFill>
+                        </a:rPr>
+                        <a:t>Development</a:t>
+                      </a:r>
+                      <a:endParaRPr lang="en-US" sz="2000" dirty="0">
+                        <a:solidFill>
+                          <a:schemeClr val="tx2"/>
+                        </a:solidFill>
+                      </a:endParaRPr>
+                    </a:p>
+                  </a:txBody>
+                  <a:tcPr/>
+                </a:tc>
+                <a:tc>
+                  <a:txBody>
+                    <a:bodyPr/>
+                    <a:lstStyle/>
+                    <a:p>
+                      <a:pPr algn="l"/>
+                      <a:r>
+                        <a:rPr lang="en-US" altLang="zh-CN" sz="2000" dirty="0" smtClean="0">
+                          <a:solidFill>
+                            <a:schemeClr val="tx2"/>
+                          </a:solidFill>
+                        </a:rPr>
+                        <a:t>Sandbox</a:t>
+                      </a:r>
+                      <a:endParaRPr lang="en-US" sz="2000" dirty="0">
+                        <a:solidFill>
+                          <a:schemeClr val="tx2"/>
+                        </a:solidFill>
+                      </a:endParaRPr>
+                    </a:p>
+                  </a:txBody>
+                  <a:tcPr/>
+                </a:tc>
+              </a:tr>
+              <a:tr h="402271">
+                <a:tc>
+                  <a:txBody>
+                    <a:bodyPr/>
+                    <a:lstStyle/>
+                    <a:p>
+                      <a:pPr algn="l"/>
+                      <a:r>
+                        <a:rPr lang="en-US" altLang="zh-CN" sz="1800" dirty="0" smtClean="0"/>
+                        <a:t>CPU</a:t>
+                      </a:r>
+                      <a:endParaRPr lang="en-US" sz="1800" b="1" dirty="0"/>
+                    </a:p>
+                  </a:txBody>
+                  <a:tcPr/>
+                </a:tc>
+                <a:tc>
+                  <a:txBody>
+                    <a:bodyPr/>
+                    <a:lstStyle/>
+                    <a:p>
+                      <a:r>
+                        <a:rPr lang="en-US" altLang="zh-CN" sz="1600" dirty="0" smtClean="0">
+                          <a:solidFill>
+                            <a:srgbClr val="4C991D"/>
+                          </a:solidFill>
+                        </a:rPr>
+                        <a:t>24</a:t>
+                      </a:r>
+                      <a:r>
+                        <a:rPr lang="zh-CN" altLang="en-US" sz="1600" dirty="0" smtClean="0">
+                          <a:solidFill>
+                            <a:srgbClr val="4C991D"/>
+                          </a:solidFill>
+                        </a:rPr>
+                        <a:t> </a:t>
+                      </a:r>
+                      <a:r>
+                        <a:rPr lang="en-US" altLang="zh-CN" sz="1600" dirty="0" smtClean="0">
+                          <a:solidFill>
+                            <a:srgbClr val="4C991D"/>
+                          </a:solidFill>
+                        </a:rPr>
+                        <a:t>cores</a:t>
+                      </a:r>
+                      <a:endParaRPr lang="en-US" sz="1600" dirty="0">
+                        <a:solidFill>
+                          <a:srgbClr val="4C991D"/>
+                        </a:solidFill>
+                      </a:endParaRPr>
+                    </a:p>
+                  </a:txBody>
+                  <a:tcPr/>
+                </a:tc>
+                <a:tc>
+                  <a:txBody>
+                    <a:bodyPr/>
+                    <a:lstStyle/>
+                    <a:p>
+                      <a:r>
+                        <a:rPr lang="en-US" altLang="zh-CN" sz="1600" dirty="0" smtClean="0">
+                          <a:solidFill>
+                            <a:srgbClr val="991E1B"/>
+                          </a:solidFill>
+                        </a:rPr>
+                        <a:t>56</a:t>
+                      </a:r>
+                      <a:r>
+                        <a:rPr lang="zh-CN" altLang="en-US" sz="1600" baseline="0" dirty="0" smtClean="0">
+                          <a:solidFill>
+                            <a:srgbClr val="991E1B"/>
+                          </a:solidFill>
+                        </a:rPr>
+                        <a:t> </a:t>
+                      </a:r>
+                      <a:r>
+                        <a:rPr lang="en-US" altLang="zh-CN" sz="1600" baseline="0" dirty="0" smtClean="0">
+                          <a:solidFill>
+                            <a:srgbClr val="991E1B"/>
+                          </a:solidFill>
+                        </a:rPr>
+                        <a:t>cores</a:t>
+                      </a:r>
+                      <a:endParaRPr lang="en-US" sz="1600" dirty="0">
+                        <a:solidFill>
+                          <a:srgbClr val="991E1B"/>
+                        </a:solidFill>
+                      </a:endParaRPr>
+                    </a:p>
+                  </a:txBody>
+                  <a:tcPr/>
+                </a:tc>
+              </a:tr>
+              <a:tr h="444500">
+                <a:tc>
+                  <a:txBody>
+                    <a:bodyPr/>
+                    <a:lstStyle/>
+                    <a:p>
+                      <a:pPr algn="l"/>
+                      <a:r>
+                        <a:rPr lang="en-US" altLang="zh-CN" sz="1800" dirty="0" smtClean="0"/>
+                        <a:t>Storage</a:t>
+                      </a:r>
+                      <a:endParaRPr lang="en-US" sz="1800" b="1" dirty="0"/>
+                    </a:p>
+                  </a:txBody>
+                  <a:tcPr/>
+                </a:tc>
+                <a:tc>
+                  <a:txBody>
+                    <a:bodyPr/>
+                    <a:lstStyle/>
+                    <a:p>
+                      <a:r>
+                        <a:rPr lang="en-US" altLang="zh-CN" sz="1600" dirty="0" smtClean="0">
+                          <a:solidFill>
+                            <a:srgbClr val="4C991D"/>
+                          </a:solidFill>
+                        </a:rPr>
+                        <a:t>4-8TB</a:t>
+                      </a:r>
+                      <a:r>
+                        <a:rPr lang="zh-CN" altLang="en-US" sz="1600" dirty="0" smtClean="0">
+                          <a:solidFill>
+                            <a:srgbClr val="4C991D"/>
+                          </a:solidFill>
+                        </a:rPr>
+                        <a:t> </a:t>
+                      </a:r>
+                      <a:r>
+                        <a:rPr lang="en-US" altLang="zh-CN" sz="1600" dirty="0" smtClean="0">
+                          <a:solidFill>
+                            <a:srgbClr val="4C991D"/>
+                          </a:solidFill>
+                        </a:rPr>
+                        <a:t>(must</a:t>
+                      </a:r>
+                      <a:r>
+                        <a:rPr lang="zh-CN" altLang="en-US" sz="1600" dirty="0" smtClean="0">
+                          <a:solidFill>
+                            <a:srgbClr val="4C991D"/>
+                          </a:solidFill>
+                        </a:rPr>
+                        <a:t> </a:t>
+                      </a:r>
+                      <a:r>
+                        <a:rPr lang="en-US" altLang="zh-CN" sz="1600" dirty="0" smtClean="0">
+                          <a:solidFill>
+                            <a:srgbClr val="4C991D"/>
+                          </a:solidFill>
+                        </a:rPr>
+                        <a:t>be</a:t>
+                      </a:r>
+                      <a:r>
+                        <a:rPr lang="zh-CN" altLang="en-US" sz="1600" dirty="0" smtClean="0">
+                          <a:solidFill>
+                            <a:srgbClr val="4C991D"/>
+                          </a:solidFill>
+                        </a:rPr>
+                        <a:t> </a:t>
+                      </a:r>
+                      <a:r>
+                        <a:rPr lang="en-US" altLang="zh-CN" sz="1600" dirty="0" smtClean="0">
+                          <a:solidFill>
+                            <a:srgbClr val="4C991D"/>
+                          </a:solidFill>
+                        </a:rPr>
+                        <a:t>scalable)</a:t>
+                      </a:r>
+                      <a:endParaRPr lang="en-US" sz="1600" dirty="0">
+                        <a:solidFill>
+                          <a:srgbClr val="4C991D"/>
+                        </a:solidFill>
+                      </a:endParaRPr>
+                    </a:p>
+                  </a:txBody>
+                  <a:tcPr/>
+                </a:tc>
+                <a:tc>
+                  <a:txBody>
+                    <a:bodyPr/>
+                    <a:lstStyle/>
+                    <a:p>
+                      <a:r>
+                        <a:rPr lang="en-US" altLang="zh-CN" sz="1600" dirty="0" smtClean="0">
+                          <a:solidFill>
+                            <a:srgbClr val="991E1B"/>
+                          </a:solidFill>
+                        </a:rPr>
+                        <a:t>1-2TB</a:t>
+                      </a:r>
+                      <a:r>
+                        <a:rPr lang="zh-CN" altLang="en-US" sz="1600" dirty="0" smtClean="0">
+                          <a:solidFill>
+                            <a:srgbClr val="991E1B"/>
+                          </a:solidFill>
+                        </a:rPr>
+                        <a:t> </a:t>
+                      </a:r>
+                      <a:r>
+                        <a:rPr lang="en-US" altLang="zh-CN" sz="1600" dirty="0" smtClean="0">
+                          <a:solidFill>
+                            <a:srgbClr val="991E1B"/>
+                          </a:solidFill>
+                        </a:rPr>
+                        <a:t>(must</a:t>
+                      </a:r>
+                      <a:r>
+                        <a:rPr lang="zh-CN" altLang="en-US" sz="1600" dirty="0" smtClean="0">
+                          <a:solidFill>
+                            <a:srgbClr val="991E1B"/>
+                          </a:solidFill>
+                        </a:rPr>
+                        <a:t> </a:t>
+                      </a:r>
+                      <a:r>
+                        <a:rPr lang="en-US" altLang="zh-CN" sz="1600" dirty="0" smtClean="0">
+                          <a:solidFill>
+                            <a:srgbClr val="991E1B"/>
+                          </a:solidFill>
+                        </a:rPr>
+                        <a:t>be</a:t>
+                      </a:r>
+                      <a:r>
+                        <a:rPr lang="zh-CN" altLang="en-US" sz="1600" dirty="0" smtClean="0">
+                          <a:solidFill>
+                            <a:srgbClr val="991E1B"/>
+                          </a:solidFill>
+                        </a:rPr>
+                        <a:t> </a:t>
+                      </a:r>
+                      <a:r>
+                        <a:rPr lang="en-US" altLang="zh-CN" sz="1600" dirty="0" smtClean="0">
+                          <a:solidFill>
+                            <a:srgbClr val="991E1B"/>
+                          </a:solidFill>
+                        </a:rPr>
+                        <a:t>scalable)</a:t>
+                      </a:r>
+                      <a:endParaRPr lang="en-US" sz="1600" dirty="0">
+                        <a:solidFill>
+                          <a:srgbClr val="991E1B"/>
+                        </a:solidFill>
+                      </a:endParaRPr>
+                    </a:p>
+                  </a:txBody>
+                  <a:tcPr/>
+                </a:tc>
+              </a:tr>
+              <a:tr h="431800">
+                <a:tc>
+                  <a:txBody>
+                    <a:bodyPr/>
+                    <a:lstStyle/>
+                    <a:p>
+                      <a:pPr algn="l"/>
+                      <a:r>
+                        <a:rPr lang="en-US" altLang="zh-CN" sz="1800" dirty="0" smtClean="0"/>
+                        <a:t>RAM</a:t>
+                      </a:r>
+                      <a:endParaRPr lang="en-US" sz="1800" b="1" dirty="0"/>
+                    </a:p>
+                  </a:txBody>
+                  <a:tcPr/>
+                </a:tc>
+                <a:tc>
+                  <a:txBody>
+                    <a:bodyPr/>
+                    <a:lstStyle/>
+                    <a:p>
+                      <a:r>
+                        <a:rPr lang="en-US" altLang="zh-CN" sz="1600" dirty="0" smtClean="0">
+                          <a:solidFill>
+                            <a:srgbClr val="4C991D"/>
+                          </a:solidFill>
+                        </a:rPr>
+                        <a:t>64-128GB</a:t>
+                      </a:r>
+                      <a:endParaRPr lang="en-US" sz="1600" dirty="0">
+                        <a:solidFill>
+                          <a:srgbClr val="4C991D"/>
+                        </a:solidFill>
+                      </a:endParaRPr>
+                    </a:p>
+                  </a:txBody>
+                  <a:tcPr/>
+                </a:tc>
+                <a:tc>
+                  <a:txBody>
+                    <a:bodyPr/>
+                    <a:lstStyle/>
+                    <a:p>
+                      <a:r>
+                        <a:rPr lang="en-US" altLang="zh-CN" sz="1600" dirty="0" smtClean="0">
+                          <a:solidFill>
+                            <a:srgbClr val="991E1B"/>
+                          </a:solidFill>
+                        </a:rPr>
+                        <a:t>768GB-1.5TB</a:t>
+                      </a:r>
+                      <a:endParaRPr lang="en-US" sz="1600" dirty="0">
+                        <a:solidFill>
+                          <a:srgbClr val="991E1B"/>
+                        </a:solidFill>
+                      </a:endParaRPr>
+                    </a:p>
+                  </a:txBody>
+                  <a:tcPr/>
+                </a:tc>
+              </a:tr>
+              <a:tr h="685800">
+                <a:tc>
+                  <a:txBody>
+                    <a:bodyPr/>
+                    <a:lstStyle/>
+                    <a:p>
+                      <a:pPr algn="l"/>
+                      <a:r>
+                        <a:rPr lang="en-US" altLang="zh-CN" sz="1800" dirty="0" smtClean="0"/>
+                        <a:t>Operating</a:t>
+                      </a:r>
+                      <a:r>
+                        <a:rPr lang="zh-CN" altLang="en-US" sz="1800" dirty="0" smtClean="0"/>
+                        <a:t> </a:t>
+                      </a:r>
+                      <a:r>
+                        <a:rPr lang="en-US" altLang="zh-CN" sz="1800" dirty="0" smtClean="0"/>
+                        <a:t>system</a:t>
+                      </a:r>
+                      <a:endParaRPr lang="en-US" sz="1800" b="1" dirty="0"/>
+                    </a:p>
+                  </a:txBody>
+                  <a:tcPr/>
+                </a:tc>
+                <a:tc>
+                  <a:txBody>
+                    <a:bodyPr/>
+                    <a:lstStyle/>
+                    <a:p>
+                      <a:r>
+                        <a:rPr lang="en-US" altLang="zh-CN" sz="1600" dirty="0" smtClean="0"/>
+                        <a:t>Linux</a:t>
+                      </a:r>
+                      <a:r>
+                        <a:rPr lang="zh-CN" altLang="en-US" sz="1600" dirty="0" smtClean="0"/>
+                        <a:t> </a:t>
+                      </a:r>
+                      <a:r>
+                        <a:rPr lang="en-US" altLang="zh-CN" sz="1600" dirty="0" smtClean="0"/>
+                        <a:t>64-bit</a:t>
+                      </a:r>
+                      <a:r>
+                        <a:rPr lang="zh-CN" altLang="en-US" sz="1600" dirty="0" smtClean="0"/>
+                        <a:t> </a:t>
+                      </a:r>
+                      <a:r>
+                        <a:rPr lang="en-US" altLang="zh-CN" sz="1600" dirty="0" smtClean="0"/>
+                        <a:t>(</a:t>
+                      </a:r>
+                      <a:r>
+                        <a:rPr lang="en-US" altLang="zh-CN" sz="1600" dirty="0" err="1" smtClean="0"/>
+                        <a:t>Redhat</a:t>
+                      </a:r>
+                      <a:r>
+                        <a:rPr lang="zh-CN" altLang="en-US" sz="1600" dirty="0" smtClean="0"/>
+                        <a:t> </a:t>
+                      </a:r>
+                      <a:r>
+                        <a:rPr lang="en-US" altLang="zh-CN" sz="1600" dirty="0" smtClean="0"/>
+                        <a:t>or</a:t>
+                      </a:r>
+                      <a:r>
+                        <a:rPr lang="zh-CN" altLang="en-US" sz="1600" dirty="0" smtClean="0"/>
+                        <a:t> </a:t>
+                      </a:r>
+                      <a:r>
+                        <a:rPr lang="en-US" altLang="zh-CN" sz="1600" dirty="0" smtClean="0"/>
+                        <a:t>minimal</a:t>
+                      </a:r>
+                      <a:r>
+                        <a:rPr lang="zh-CN" altLang="en-US" sz="1600" dirty="0" smtClean="0"/>
+                        <a:t> </a:t>
+                      </a:r>
+                      <a:r>
+                        <a:rPr lang="en-US" altLang="zh-CN" sz="1600" dirty="0" smtClean="0"/>
+                        <a:t>install</a:t>
+                      </a:r>
+                      <a:r>
+                        <a:rPr lang="zh-CN" altLang="en-US" sz="1600" dirty="0" smtClean="0"/>
+                        <a:t> </a:t>
+                      </a:r>
+                      <a:r>
+                        <a:rPr lang="en-US" altLang="zh-CN" sz="1600" dirty="0" smtClean="0"/>
+                        <a:t>CentOS</a:t>
+                      </a:r>
+                      <a:r>
+                        <a:rPr lang="zh-CN" altLang="en-US" sz="1600" dirty="0" smtClean="0"/>
+                        <a:t> </a:t>
+                      </a:r>
+                      <a:r>
+                        <a:rPr lang="en-US" altLang="zh-CN" sz="1600" dirty="0" smtClean="0"/>
+                        <a:t>7)</a:t>
+                      </a:r>
+                      <a:endParaRPr lang="en-US" sz="1600" dirty="0"/>
+                    </a:p>
+                  </a:txBody>
+                  <a:tcPr/>
+                </a:tc>
+                <a:tc>
+                  <a:txBody>
+                    <a:bodyPr/>
+                    <a:lstStyle/>
+                    <a:p>
+                      <a:r>
+                        <a:rPr lang="en-US" altLang="zh-CN" sz="1600" dirty="0" smtClean="0"/>
+                        <a:t>Linux</a:t>
+                      </a:r>
+                      <a:r>
+                        <a:rPr lang="zh-CN" altLang="en-US" sz="1600" dirty="0" smtClean="0"/>
+                        <a:t> </a:t>
+                      </a:r>
+                      <a:r>
+                        <a:rPr lang="en-US" altLang="zh-CN" sz="1600" dirty="0" smtClean="0"/>
+                        <a:t>64-bit</a:t>
+                      </a:r>
+                      <a:r>
+                        <a:rPr lang="zh-CN" altLang="en-US" sz="1600" dirty="0" smtClean="0"/>
+                        <a:t> </a:t>
+                      </a:r>
+                      <a:r>
+                        <a:rPr lang="en-US" altLang="zh-CN" sz="1600" dirty="0" smtClean="0"/>
+                        <a:t>(</a:t>
+                      </a:r>
+                      <a:r>
+                        <a:rPr lang="en-US" altLang="zh-CN" sz="1600" dirty="0" err="1" smtClean="0"/>
+                        <a:t>Redhat</a:t>
+                      </a:r>
+                      <a:r>
+                        <a:rPr lang="zh-CN" altLang="en-US" sz="1600" dirty="0" smtClean="0"/>
+                        <a:t> </a:t>
+                      </a:r>
+                      <a:r>
+                        <a:rPr lang="en-US" altLang="zh-CN" sz="1600" dirty="0" smtClean="0"/>
+                        <a:t>or</a:t>
+                      </a:r>
+                      <a:r>
+                        <a:rPr lang="zh-CN" altLang="en-US" sz="1600" dirty="0" smtClean="0"/>
+                        <a:t> </a:t>
+                      </a:r>
+                      <a:r>
+                        <a:rPr lang="en-US" altLang="zh-CN" sz="1600" dirty="0" smtClean="0"/>
+                        <a:t>minimal</a:t>
+                      </a:r>
+                      <a:r>
+                        <a:rPr lang="zh-CN" altLang="en-US" sz="1600" dirty="0" smtClean="0"/>
+                        <a:t> </a:t>
+                      </a:r>
+                      <a:r>
+                        <a:rPr lang="en-US" altLang="zh-CN" sz="1600" dirty="0" smtClean="0"/>
+                        <a:t>install</a:t>
+                      </a:r>
+                      <a:r>
+                        <a:rPr lang="zh-CN" altLang="en-US" sz="1600" dirty="0" smtClean="0"/>
+                        <a:t> </a:t>
+                      </a:r>
+                      <a:r>
+                        <a:rPr lang="en-US" altLang="zh-CN" sz="1600" dirty="0" smtClean="0"/>
+                        <a:t>CentOS</a:t>
+                      </a:r>
+                      <a:r>
+                        <a:rPr lang="zh-CN" altLang="en-US" sz="1600" dirty="0" smtClean="0"/>
+                        <a:t> </a:t>
+                      </a:r>
+                      <a:r>
+                        <a:rPr lang="en-US" altLang="zh-CN" sz="1600" dirty="0" smtClean="0"/>
+                        <a:t>7)</a:t>
+                      </a:r>
+                      <a:endParaRPr lang="en-US" sz="1600" dirty="0"/>
+                    </a:p>
+                  </a:txBody>
+                  <a:tcPr/>
+                </a:tc>
+              </a:tr>
+              <a:tr h="685800">
+                <a:tc>
+                  <a:txBody>
+                    <a:bodyPr/>
+                    <a:lstStyle/>
+                    <a:p>
+                      <a:pPr algn="l"/>
+                      <a:r>
+                        <a:rPr lang="en-US" altLang="zh-CN" sz="1800" b="0" dirty="0" smtClean="0"/>
+                        <a:t>Path</a:t>
+                      </a:r>
+                      <a:r>
+                        <a:rPr lang="zh-CN" altLang="en-US" sz="1800" b="0" dirty="0" smtClean="0"/>
+                        <a:t> </a:t>
+                      </a:r>
+                      <a:r>
+                        <a:rPr lang="en-US" altLang="zh-CN" sz="1800" b="0" dirty="0" smtClean="0"/>
+                        <a:t>to</a:t>
+                      </a:r>
+                      <a:r>
+                        <a:rPr lang="zh-CN" altLang="en-US" sz="1800" b="0" dirty="0" smtClean="0"/>
+                        <a:t> </a:t>
+                      </a:r>
+                      <a:r>
+                        <a:rPr lang="en-US" altLang="zh-CN" sz="1800" b="0" dirty="0" smtClean="0"/>
+                        <a:t>existing</a:t>
+                      </a:r>
+                      <a:r>
+                        <a:rPr lang="zh-CN" altLang="en-US" sz="1800" b="0" baseline="0" dirty="0" smtClean="0"/>
+                        <a:t> </a:t>
+                      </a:r>
+                      <a:r>
+                        <a:rPr lang="en-US" altLang="zh-CN" sz="1800" b="0" baseline="0" dirty="0" smtClean="0"/>
+                        <a:t>server/model</a:t>
+                      </a:r>
+                      <a:endParaRPr lang="en-US" sz="1800" b="0" dirty="0"/>
+                    </a:p>
+                  </a:txBody>
+                  <a:tcPr/>
+                </a:tc>
+                <a:tc>
+                  <a:txBody>
+                    <a:bodyPr/>
+                    <a:lstStyle/>
+                    <a:p>
+                      <a:r>
+                        <a:rPr lang="en-US" altLang="zh-CN" sz="1600" dirty="0" smtClean="0"/>
+                        <a:t>SFTP</a:t>
+                      </a:r>
+                      <a:r>
+                        <a:rPr lang="zh-CN" altLang="en-US" sz="1600" dirty="0" smtClean="0"/>
+                        <a:t> </a:t>
+                      </a:r>
+                      <a:r>
+                        <a:rPr lang="en-US" altLang="zh-CN" sz="1600" dirty="0" smtClean="0"/>
+                        <a:t>tunnel?</a:t>
+                      </a:r>
+                      <a:endParaRPr lang="en-US" sz="1600" dirty="0"/>
+                    </a:p>
+                  </a:txBody>
+                  <a:tcPr/>
+                </a:tc>
+                <a:tc>
+                  <a:txBody>
+                    <a:bodyPr/>
+                    <a:lstStyle/>
+                    <a:p>
+                      <a:r>
+                        <a:rPr lang="en-US" altLang="zh-CN" sz="1600" dirty="0" smtClean="0"/>
+                        <a:t>SFTP</a:t>
+                      </a:r>
+                      <a:r>
+                        <a:rPr lang="zh-CN" altLang="en-US" sz="1600" dirty="0" smtClean="0"/>
+                        <a:t> </a:t>
+                      </a:r>
+                      <a:r>
+                        <a:rPr lang="en-US" altLang="zh-CN" sz="1600" dirty="0" smtClean="0"/>
+                        <a:t>tunnel?</a:t>
+                      </a:r>
+                      <a:endParaRPr lang="en-US" sz="1600" dirty="0" smtClean="0"/>
+                    </a:p>
+                    <a:p>
+                      <a:endParaRPr lang="en-US" sz="1600" dirty="0"/>
+                    </a:p>
+                  </a:txBody>
+                  <a:tcPr/>
+                </a:tc>
+              </a:tr>
+              <a:tr h="685800">
+                <a:tc>
+                  <a:txBody>
+                    <a:bodyPr/>
+                    <a:lstStyle/>
+                    <a:p>
+                      <a:pPr algn="l"/>
+                      <a:r>
+                        <a:rPr lang="en-US" altLang="zh-CN" sz="1800" b="0" dirty="0" smtClean="0"/>
+                        <a:t>Data</a:t>
+                      </a:r>
+                      <a:r>
+                        <a:rPr lang="zh-CN" altLang="en-US" sz="1800" b="0" dirty="0" smtClean="0"/>
+                        <a:t> </a:t>
+                      </a:r>
+                      <a:r>
+                        <a:rPr lang="en-US" altLang="zh-CN" sz="1800" b="0" dirty="0" smtClean="0"/>
+                        <a:t>access</a:t>
+                      </a:r>
+                      <a:endParaRPr lang="en-US" sz="1800" b="0" dirty="0"/>
+                    </a:p>
+                  </a:txBody>
+                  <a:tcPr/>
+                </a:tc>
+                <a:tc>
+                  <a:txBody>
+                    <a:bodyPr/>
+                    <a:lstStyle/>
+                    <a:p>
+                      <a:r>
+                        <a:rPr lang="en-US" altLang="zh-CN" sz="1600" dirty="0" smtClean="0"/>
+                        <a:t>Explorys,</a:t>
+                      </a:r>
+                      <a:r>
+                        <a:rPr lang="zh-CN" altLang="en-US" sz="1600" dirty="0" smtClean="0"/>
+                        <a:t> </a:t>
+                      </a:r>
+                      <a:r>
+                        <a:rPr lang="en-US" altLang="zh-CN" sz="1600" dirty="0" smtClean="0"/>
+                        <a:t>MarketScan,</a:t>
+                      </a:r>
+                      <a:r>
+                        <a:rPr lang="zh-CN" altLang="en-US" sz="1600" baseline="0" dirty="0" smtClean="0"/>
+                        <a:t> </a:t>
+                      </a:r>
+                      <a:r>
+                        <a:rPr lang="en-US" altLang="zh-CN" sz="1600" baseline="0" dirty="0" smtClean="0"/>
+                        <a:t>SAF,</a:t>
+                      </a:r>
+                      <a:r>
+                        <a:rPr lang="zh-CN" altLang="en-US" sz="1600" baseline="0" dirty="0" smtClean="0"/>
+                        <a:t> </a:t>
+                      </a:r>
+                      <a:r>
+                        <a:rPr lang="en-US" altLang="zh-CN" sz="1600" baseline="0" dirty="0" err="1" smtClean="0"/>
+                        <a:t>Huntmore</a:t>
+                      </a:r>
+                      <a:r>
+                        <a:rPr lang="en-US" altLang="zh-CN" sz="1600" baseline="0" dirty="0" smtClean="0"/>
+                        <a:t>(CED),</a:t>
+                      </a:r>
+                      <a:r>
+                        <a:rPr lang="zh-CN" altLang="en-US" sz="1600" baseline="0" dirty="0" smtClean="0"/>
+                        <a:t> </a:t>
+                      </a:r>
+                      <a:r>
+                        <a:rPr lang="en-US" altLang="zh-CN" sz="1600" baseline="0" dirty="0" smtClean="0"/>
+                        <a:t>PIDB,</a:t>
+                      </a:r>
+                      <a:r>
+                        <a:rPr lang="zh-CN" altLang="en-US" sz="1600" baseline="0" dirty="0" smtClean="0"/>
+                        <a:t> </a:t>
+                      </a:r>
+                      <a:r>
+                        <a:rPr lang="en-US" altLang="zh-CN" sz="1600" baseline="0" dirty="0" smtClean="0"/>
+                        <a:t>reference</a:t>
+                      </a:r>
+                      <a:r>
+                        <a:rPr lang="zh-CN" altLang="en-US" sz="1600" baseline="0" dirty="0" smtClean="0"/>
+                        <a:t> </a:t>
+                      </a:r>
+                      <a:r>
+                        <a:rPr lang="en-US" altLang="zh-CN" sz="1600" baseline="0" dirty="0" smtClean="0"/>
+                        <a:t>data</a:t>
+                      </a:r>
+                      <a:endParaRPr lang="en-US" sz="1600" dirty="0"/>
+                    </a:p>
+                  </a:txBody>
+                  <a:tcPr/>
+                </a:tc>
+                <a:tc>
+                  <a:txBody>
+                    <a:bodyPr/>
+                    <a:lstStyle/>
+                    <a:p>
+                      <a:r>
+                        <a:rPr lang="en-US" altLang="zh-CN" sz="1600" dirty="0" smtClean="0"/>
+                        <a:t>Explorys,</a:t>
+                      </a:r>
+                      <a:r>
+                        <a:rPr lang="zh-CN" altLang="en-US" sz="1600" dirty="0" smtClean="0"/>
+                        <a:t> </a:t>
+                      </a:r>
+                      <a:r>
+                        <a:rPr lang="en-US" altLang="zh-CN" sz="1600" dirty="0" smtClean="0"/>
+                        <a:t>MarketScan,</a:t>
+                      </a:r>
+                      <a:r>
+                        <a:rPr lang="zh-CN" altLang="en-US" sz="1600" baseline="0" dirty="0" smtClean="0"/>
+                        <a:t> </a:t>
+                      </a:r>
+                      <a:r>
+                        <a:rPr lang="en-US" altLang="zh-CN" sz="1600" baseline="0" dirty="0" smtClean="0"/>
+                        <a:t>SAF,</a:t>
+                      </a:r>
+                      <a:r>
+                        <a:rPr lang="zh-CN" altLang="en-US" sz="1600" baseline="0" dirty="0" smtClean="0"/>
+                        <a:t> </a:t>
+                      </a:r>
+                      <a:r>
+                        <a:rPr lang="en-US" altLang="zh-CN" sz="1600" baseline="0" dirty="0" err="1" smtClean="0"/>
+                        <a:t>Huntmore</a:t>
+                      </a:r>
+                      <a:r>
+                        <a:rPr lang="en-US" altLang="zh-CN" sz="1600" baseline="0" dirty="0" smtClean="0"/>
+                        <a:t>(CED),</a:t>
+                      </a:r>
+                      <a:r>
+                        <a:rPr lang="zh-CN" altLang="en-US" sz="1600" baseline="0" dirty="0" smtClean="0"/>
+                        <a:t> </a:t>
+                      </a:r>
+                      <a:r>
+                        <a:rPr lang="en-US" altLang="zh-CN" sz="1600" baseline="0" dirty="0" smtClean="0"/>
+                        <a:t>PIDB,</a:t>
+                      </a:r>
+                      <a:r>
+                        <a:rPr lang="zh-CN" altLang="en-US" sz="1600" baseline="0" dirty="0" smtClean="0"/>
+                        <a:t> </a:t>
+                      </a:r>
+                      <a:r>
+                        <a:rPr lang="en-US" altLang="zh-CN" sz="1600" baseline="0" dirty="0" smtClean="0"/>
+                        <a:t>reference</a:t>
+                      </a:r>
+                      <a:r>
+                        <a:rPr lang="zh-CN" altLang="en-US" sz="1600" baseline="0" dirty="0" smtClean="0"/>
+                        <a:t> </a:t>
+                      </a:r>
+                      <a:r>
+                        <a:rPr lang="en-US" altLang="zh-CN" sz="1600" baseline="0" dirty="0" smtClean="0"/>
+                        <a:t>data</a:t>
+                      </a:r>
+                      <a:endParaRPr lang="en-US" sz="1600" dirty="0"/>
+                    </a:p>
+                  </a:txBody>
+                  <a:tcPr/>
+                </a:tc>
+              </a:tr>
+            </a:tbl>
+          </a:graphicData>
+        </a:graphic>
+      </p:graphicFrame>
+    </p:spTree>
+    <p:extLst>
+      <p:ext uri="{BB962C8B-B14F-4D97-AF65-F5344CB8AC3E}">
+        <p14:creationId xmlns:p14="http://schemas.microsoft.com/office/powerpoint/2010/main" val="468233468"/>
+      </p:ext>
+    </p:extLst>
+  </p:cSld>
+  <p:clrMapOvr>
+    <a:masterClrMapping/>
+  </p:clrMapOvr>
+  <p:transition spd="slow"/>
+  <p:timing>
+    <p:tnLst>
+      <p:par>
+        <p:cTn id="1" dur="indefinite" restart="never" nodeType="tmRoot"/>
+      </p:par>
+    </p:tnLst>
+  </p:timing>
+</p:sld>
+</file>
+
+<file path=ppt/slides/slide9.xml><?xml version="1.0" encoding="utf-8"?>
+<p:sld xmlns:a="http://schemas.openxmlformats.org/drawingml/2006/main" xmlns:r="http://schemas.openxmlformats.org/officeDocument/2006/relationships" xmlns:p="http://schemas.openxmlformats.org/presentationml/2006/main">
+  <p:cSld>
+    <p:spTree>
+      <p:nvGrpSpPr>
+        <p:cNvPr id="1" name=""/>
+        <p:cNvGrpSpPr/>
+        <p:nvPr/>
+      </p:nvGrpSpPr>
+      <p:grpSpPr>
+        <a:xfrm>
+          <a:off x="0" y="0"/>
+          <a:ext cx="0" cy="0"/>
+          <a:chOff x="0" y="0"/>
+          <a:chExt cx="0" cy="0"/>
+        </a:xfrm>
+      </p:grpSpPr>
+      <p:sp>
+        <p:nvSpPr>
+          <p:cNvPr id="2" name="Title 1"/>
+          <p:cNvSpPr>
+            <a:spLocks noGrp="1"/>
+          </p:cNvSpPr>
+          <p:nvPr>
+            <p:ph type="title"/>
+          </p:nvPr>
+        </p:nvSpPr>
+        <p:spPr/>
+        <p:txBody>
+          <a:bodyPr/>
+          <a:lstStyle/>
+          <a:p>
+            <a:r>
+              <a:rPr lang="en-US" altLang="zh-CN" dirty="0" smtClean="0"/>
               <a:t>Solution</a:t>
             </a:r>
             <a:r>
@@ -9288,403 +10172,6 @@
     <p:extLst>
       <p:ext uri="{BB962C8B-B14F-4D97-AF65-F5344CB8AC3E}">
         <p14:creationId xmlns:p14="http://schemas.microsoft.com/office/powerpoint/2010/main" val="1253974318"/>
-      </p:ext>
-    </p:extLst>
-  </p:cSld>
-  <p:clrMapOvr>
-    <a:masterClrMapping/>
-  </p:clrMapOvr>
-  <p:transition spd="slow"/>
-  <p:timing>
-    <p:tnLst>
-      <p:par>
-        <p:cTn id="1" dur="indefinite" restart="never" nodeType="tmRoot"/>
-      </p:par>
-    </p:tnLst>
-  </p:timing>
-</p:sld>
-</file>
-
-<file path=ppt/slides/slide7.xml><?xml version="1.0" encoding="utf-8"?>
-<p:sld xmlns:a="http://schemas.openxmlformats.org/drawingml/2006/main" xmlns:r="http://schemas.openxmlformats.org/officeDocument/2006/relationships" xmlns:p="http://schemas.openxmlformats.org/presentationml/2006/main">
-  <p:cSld>
-    <p:spTree>
-      <p:nvGrpSpPr>
-        <p:cNvPr id="1" name=""/>
-        <p:cNvGrpSpPr/>
-        <p:nvPr/>
-      </p:nvGrpSpPr>
-      <p:grpSpPr>
-        <a:xfrm>
-          <a:off x="0" y="0"/>
-          <a:ext cx="0" cy="0"/>
-          <a:chOff x="0" y="0"/>
-          <a:chExt cx="0" cy="0"/>
-        </a:xfrm>
-      </p:grpSpPr>
-      <p:sp>
-        <p:nvSpPr>
-          <p:cNvPr id="2" name="Title 1"/>
-          <p:cNvSpPr>
-            <a:spLocks noGrp="1"/>
-          </p:cNvSpPr>
-          <p:nvPr>
-            <p:ph type="title"/>
-          </p:nvPr>
-        </p:nvSpPr>
-        <p:spPr/>
-        <p:txBody>
-          <a:bodyPr/>
-          <a:lstStyle/>
-          <a:p>
-            <a:r>
-              <a:rPr lang="en-US" altLang="zh-CN" dirty="0" smtClean="0"/>
-              <a:t>IBM</a:t>
-            </a:r>
-            <a:r>
-              <a:rPr lang="zh-CN" altLang="en-US" dirty="0" smtClean="0"/>
-              <a:t> </a:t>
-            </a:r>
-            <a:r>
-              <a:rPr lang="en-US" altLang="zh-CN" dirty="0" smtClean="0"/>
-              <a:t>cloud</a:t>
-            </a:r>
-            <a:r>
-              <a:rPr lang="zh-CN" altLang="en-US" dirty="0" smtClean="0"/>
-              <a:t> </a:t>
-            </a:r>
-            <a:r>
-              <a:rPr lang="en-US" altLang="zh-CN" dirty="0" smtClean="0"/>
-              <a:t>server</a:t>
-            </a:r>
-            <a:endParaRPr lang="en-US" dirty="0"/>
-          </a:p>
-        </p:txBody>
-      </p:sp>
-      <p:sp>
-        <p:nvSpPr>
-          <p:cNvPr id="3" name="Content Placeholder 2"/>
-          <p:cNvSpPr>
-            <a:spLocks noGrp="1"/>
-          </p:cNvSpPr>
-          <p:nvPr>
-            <p:ph idx="12"/>
-          </p:nvPr>
-        </p:nvSpPr>
-        <p:spPr>
-          <a:xfrm>
-            <a:off x="609600" y="1601892"/>
-            <a:ext cx="10972800" cy="5091007"/>
-          </a:xfrm>
-        </p:spPr>
-        <p:txBody>
-          <a:bodyPr numCol="1"/>
-          <a:lstStyle/>
-          <a:p>
-            <a:endParaRPr lang="en-US" sz="2400" dirty="0" smtClean="0"/>
-          </a:p>
-          <a:p>
-            <a:endParaRPr lang="en-US" sz="2400" dirty="0"/>
-          </a:p>
-          <a:p>
-            <a:endParaRPr lang="en-US" sz="2400" dirty="0" smtClean="0"/>
-          </a:p>
-          <a:p>
-            <a:endParaRPr lang="en-US" sz="2400" dirty="0"/>
-          </a:p>
-          <a:p>
-            <a:endParaRPr lang="en-US" sz="2400" dirty="0" smtClean="0"/>
-          </a:p>
-          <a:p>
-            <a:endParaRPr lang="en-US" sz="2400" dirty="0" smtClean="0"/>
-          </a:p>
-          <a:p>
-            <a:endParaRPr lang="en-US" sz="2400" dirty="0" smtClean="0"/>
-          </a:p>
-          <a:p>
-            <a:pPr lvl="1"/>
-            <a:endParaRPr lang="en-US" sz="2000" dirty="0"/>
-          </a:p>
-          <a:p>
-            <a:pPr lvl="1"/>
-            <a:endParaRPr lang="en-US" sz="2000" dirty="0" smtClean="0"/>
-          </a:p>
-          <a:p>
-            <a:endParaRPr lang="en-US" dirty="0"/>
-          </a:p>
-        </p:txBody>
-      </p:sp>
-      <p:pic>
-        <p:nvPicPr>
-          <p:cNvPr id="4" name="Picture 3"/>
-          <p:cNvPicPr>
-            <a:picLocks noChangeAspect="1"/>
-          </p:cNvPicPr>
-          <p:nvPr/>
-        </p:nvPicPr>
-        <p:blipFill>
-          <a:blip r:embed="rId2">
-            <a:extLst>
-              <a:ext uri="{28A0092B-C50C-407E-A947-70E740481C1C}">
-                <a14:useLocalDpi xmlns:a14="http://schemas.microsoft.com/office/drawing/2010/main" val="0"/>
-              </a:ext>
-            </a:extLst>
-          </a:blip>
-          <a:stretch>
-            <a:fillRect/>
-          </a:stretch>
-        </p:blipFill>
-        <p:spPr>
-          <a:xfrm>
-            <a:off x="734698" y="1601892"/>
-            <a:ext cx="10722604" cy="3720087"/>
-          </a:xfrm>
-          <a:prstGeom prst="rect">
-            <a:avLst/>
-          </a:prstGeom>
-        </p:spPr>
-      </p:pic>
-    </p:spTree>
-    <p:extLst>
-      <p:ext uri="{BB962C8B-B14F-4D97-AF65-F5344CB8AC3E}">
-        <p14:creationId xmlns:p14="http://schemas.microsoft.com/office/powerpoint/2010/main" val="1651310573"/>
-      </p:ext>
-    </p:extLst>
-  </p:cSld>
-  <p:clrMapOvr>
-    <a:masterClrMapping/>
-  </p:clrMapOvr>
-  <p:transition spd="slow"/>
-  <p:timing>
-    <p:tnLst>
-      <p:par>
-        <p:cTn id="1" dur="indefinite" restart="never" nodeType="tmRoot"/>
-      </p:par>
-    </p:tnLst>
-  </p:timing>
-</p:sld>
-</file>
-
-<file path=ppt/slides/slide8.xml><?xml version="1.0" encoding="utf-8"?>
-<p:sld xmlns:a="http://schemas.openxmlformats.org/drawingml/2006/main" xmlns:r="http://schemas.openxmlformats.org/officeDocument/2006/relationships" xmlns:p="http://schemas.openxmlformats.org/presentationml/2006/main">
-  <p:cSld>
-    <p:spTree>
-      <p:nvGrpSpPr>
-        <p:cNvPr id="1" name=""/>
-        <p:cNvGrpSpPr/>
-        <p:nvPr/>
-      </p:nvGrpSpPr>
-      <p:grpSpPr>
-        <a:xfrm>
-          <a:off x="0" y="0"/>
-          <a:ext cx="0" cy="0"/>
-          <a:chOff x="0" y="0"/>
-          <a:chExt cx="0" cy="0"/>
-        </a:xfrm>
-      </p:grpSpPr>
-      <p:sp>
-        <p:nvSpPr>
-          <p:cNvPr id="2" name="Title 1"/>
-          <p:cNvSpPr>
-            <a:spLocks noGrp="1"/>
-          </p:cNvSpPr>
-          <p:nvPr>
-            <p:ph type="title"/>
-          </p:nvPr>
-        </p:nvSpPr>
-        <p:spPr/>
-        <p:txBody>
-          <a:bodyPr/>
-          <a:lstStyle/>
-          <a:p>
-            <a:r>
-              <a:rPr lang="en-US" altLang="zh-CN" dirty="0" smtClean="0"/>
-              <a:t>IBM</a:t>
-            </a:r>
-            <a:r>
-              <a:rPr lang="zh-CN" altLang="en-US" dirty="0" smtClean="0"/>
-              <a:t> </a:t>
-            </a:r>
-            <a:r>
-              <a:rPr lang="en-US" altLang="zh-CN" dirty="0" smtClean="0"/>
-              <a:t>cloud</a:t>
-            </a:r>
-            <a:r>
-              <a:rPr lang="zh-CN" altLang="en-US" dirty="0" smtClean="0"/>
-              <a:t> </a:t>
-            </a:r>
-            <a:r>
-              <a:rPr lang="en-US" altLang="zh-CN" dirty="0" smtClean="0"/>
-              <a:t>server</a:t>
-            </a:r>
-            <a:endParaRPr lang="en-US" dirty="0"/>
-          </a:p>
-        </p:txBody>
-      </p:sp>
-      <p:sp>
-        <p:nvSpPr>
-          <p:cNvPr id="3" name="Content Placeholder 2"/>
-          <p:cNvSpPr>
-            <a:spLocks noGrp="1"/>
-          </p:cNvSpPr>
-          <p:nvPr>
-            <p:ph idx="12"/>
-          </p:nvPr>
-        </p:nvSpPr>
-        <p:spPr/>
-        <p:txBody>
-          <a:bodyPr/>
-          <a:lstStyle/>
-          <a:p>
-            <a:r>
-              <a:rPr lang="en-US" sz="2400" dirty="0"/>
-              <a:t>Intel Xeon E5-2690 v4: </a:t>
-            </a:r>
-            <a:r>
-              <a:rPr lang="en-US" altLang="zh-CN" sz="2400" dirty="0" smtClean="0"/>
-              <a:t>$1500</a:t>
-            </a:r>
-            <a:r>
-              <a:rPr lang="en-US" sz="2400" dirty="0" smtClean="0"/>
-              <a:t>/month </a:t>
-            </a:r>
-            <a:r>
-              <a:rPr lang="en-US" sz="2400" dirty="0"/>
-              <a:t>(additional 30% IBM internal discount</a:t>
-            </a:r>
-            <a:r>
-              <a:rPr lang="en-US" sz="2400" dirty="0" smtClean="0"/>
-              <a:t>)</a:t>
-            </a:r>
-          </a:p>
-          <a:p>
-            <a:pPr lvl="1"/>
-            <a:r>
-              <a:rPr lang="en-US" altLang="zh-CN" sz="2100" dirty="0" smtClean="0"/>
-              <a:t>Configure</a:t>
-            </a:r>
-            <a:r>
-              <a:rPr lang="zh-CN" altLang="en-US" sz="2100" dirty="0" smtClean="0"/>
-              <a:t> </a:t>
-            </a:r>
-            <a:r>
-              <a:rPr lang="en-US" altLang="zh-CN" sz="2100" dirty="0" smtClean="0"/>
-              <a:t>to</a:t>
-            </a:r>
-            <a:r>
-              <a:rPr lang="zh-CN" altLang="en-US" sz="2100" dirty="0" smtClean="0"/>
-              <a:t> </a:t>
-            </a:r>
-            <a:r>
-              <a:rPr lang="en-US" altLang="zh-CN" sz="2100" dirty="0" smtClean="0"/>
-              <a:t>our</a:t>
-            </a:r>
-            <a:r>
-              <a:rPr lang="zh-CN" altLang="en-US" sz="2100" dirty="0" smtClean="0"/>
-              <a:t> </a:t>
-            </a:r>
-            <a:r>
-              <a:rPr lang="en-US" altLang="zh-CN" sz="2100" dirty="0" smtClean="0"/>
-              <a:t>demand</a:t>
-            </a:r>
-            <a:endParaRPr lang="en-US" sz="2100" dirty="0"/>
-          </a:p>
-          <a:p>
-            <a:pPr lvl="2"/>
-            <a:r>
-              <a:rPr lang="en-US" sz="1700" dirty="0"/>
-              <a:t>HIPAA compliant</a:t>
-            </a:r>
-          </a:p>
-          <a:p>
-            <a:pPr lvl="2"/>
-            <a:r>
-              <a:rPr lang="en-US" sz="1700" dirty="0"/>
-              <a:t>28 cores, 2.60 GHz</a:t>
-            </a:r>
-          </a:p>
-          <a:p>
-            <a:pPr lvl="2"/>
-            <a:r>
-              <a:rPr lang="en-US" altLang="zh-CN" sz="1700" dirty="0" smtClean="0"/>
-              <a:t>256GB</a:t>
-            </a:r>
-            <a:r>
-              <a:rPr lang="zh-CN" altLang="en-US" sz="1700" dirty="0" smtClean="0"/>
-              <a:t> </a:t>
-            </a:r>
-            <a:r>
-              <a:rPr lang="en-US" sz="1700" dirty="0"/>
-              <a:t>RAM</a:t>
-            </a:r>
-            <a:r>
-              <a:rPr lang="en-US" altLang="zh-CN" sz="1700" dirty="0"/>
-              <a:t>,</a:t>
-            </a:r>
-            <a:r>
-              <a:rPr lang="zh-CN" altLang="en-US" sz="1700" dirty="0"/>
-              <a:t> </a:t>
-            </a:r>
-            <a:r>
-              <a:rPr lang="en-US" altLang="zh-CN" sz="1700" dirty="0" smtClean="0"/>
-              <a:t>10TB</a:t>
-            </a:r>
-            <a:r>
-              <a:rPr lang="zh-CN" altLang="en-US" sz="1700" dirty="0" smtClean="0"/>
-              <a:t> </a:t>
-            </a:r>
-            <a:r>
-              <a:rPr lang="en-US" altLang="zh-CN" sz="1700" dirty="0"/>
-              <a:t>storage</a:t>
-            </a:r>
-          </a:p>
-          <a:p>
-            <a:pPr lvl="2"/>
-            <a:r>
-              <a:rPr lang="en-US" altLang="zh-CN" sz="1700" dirty="0"/>
-              <a:t>Point</a:t>
-            </a:r>
-            <a:r>
-              <a:rPr lang="zh-CN" altLang="en-US" sz="1700" dirty="0"/>
-              <a:t> </a:t>
-            </a:r>
-            <a:r>
-              <a:rPr lang="en-US" altLang="zh-CN" sz="1700" dirty="0"/>
-              <a:t>of</a:t>
-            </a:r>
-            <a:r>
-              <a:rPr lang="zh-CN" altLang="en-US" sz="1700" dirty="0"/>
-              <a:t> </a:t>
-            </a:r>
-            <a:r>
-              <a:rPr lang="en-US" altLang="zh-CN" sz="1700" dirty="0"/>
-              <a:t>contact:</a:t>
-            </a:r>
-            <a:r>
-              <a:rPr lang="zh-CN" altLang="en-US" sz="1700" dirty="0"/>
-              <a:t> </a:t>
-            </a:r>
-            <a:r>
-              <a:rPr lang="en-US" altLang="zh-CN" sz="1700" dirty="0">
-                <a:hlinkClick r:id="rId2"/>
-              </a:rPr>
-              <a:t>wnichola@us.ibm.com</a:t>
-            </a:r>
-            <a:r>
-              <a:rPr lang="zh-CN" altLang="en-US" sz="1700" dirty="0"/>
-              <a:t> </a:t>
-            </a:r>
-            <a:endParaRPr lang="en-US" sz="1700" dirty="0"/>
-          </a:p>
-          <a:p>
-            <a:endParaRPr lang="en-US" dirty="0"/>
-          </a:p>
-        </p:txBody>
-      </p:sp>
-    </p:spTree>
-    <p:extLst>
-      <p:ext uri="{BB962C8B-B14F-4D97-AF65-F5344CB8AC3E}">
-        <p14:creationId xmlns:p14="http://schemas.microsoft.com/office/powerpoint/2010/main" val="997194489"/>
       </p:ext>
     </p:extLst>
   </p:cSld>
